--- a/docs/Figures/CardiovascularWorking.pptx
+++ b/docs/Figures/CardiovascularWorking.pptx
@@ -106,6 +106,22 @@
       </a:defRPr>
     </a:lvl9pPr>
   </p:defaultTextStyle>
+  <p:extLst>
+    <p:ext uri="{EFAFB233-063F-42B5-8137-9DF3F51BA10A}">
+      <p15:sldGuideLst xmlns:p15="http://schemas.microsoft.com/office/powerpoint/2012/main">
+        <p15:guide id="1" orient="horz" pos="2160">
+          <p15:clr>
+            <a:srgbClr val="A4A3A4"/>
+          </p15:clr>
+        </p15:guide>
+        <p15:guide id="2" pos="2880">
+          <p15:clr>
+            <a:srgbClr val="A4A3A4"/>
+          </p15:clr>
+        </p15:guide>
+      </p15:sldGuideLst>
+    </p:ext>
+  </p:extLst>
 </p:presentation>
 </file>
 
@@ -147,10 +163,9 @@
           <a:lstStyle/>
           <a:p>
             <a:r>
-              <a:rPr lang="en-US" smtClean="0"/>
+              <a:rPr lang="en-US"/>
               <a:t>Click to edit Master title style</a:t>
             </a:r>
-            <a:endParaRPr lang="en-US"/>
           </a:p>
         </p:txBody>
       </p:sp>
@@ -266,10 +281,9 @@
           </a:lstStyle>
           <a:p>
             <a:r>
-              <a:rPr lang="en-US" smtClean="0"/>
+              <a:rPr lang="en-US"/>
               <a:t>Click to edit Master subtitle style</a:t>
             </a:r>
-            <a:endParaRPr lang="en-US"/>
           </a:p>
         </p:txBody>
       </p:sp>
@@ -290,7 +304,7 @@
           <a:p>
             <a:fld id="{264F197D-2F61-4404-B41C-CD8505E57083}" type="datetimeFigureOut">
               <a:rPr lang="en-US" smtClean="0"/>
-              <a:t>12/14/2016</a:t>
+              <a:t>10/15/2019</a:t>
             </a:fld>
             <a:endParaRPr lang="en-US"/>
           </a:p>
@@ -384,10 +398,9 @@
           <a:lstStyle/>
           <a:p>
             <a:r>
-              <a:rPr lang="en-US" smtClean="0"/>
+              <a:rPr lang="en-US"/>
               <a:t>Click to edit Master title style</a:t>
             </a:r>
-            <a:endParaRPr lang="en-US"/>
           </a:p>
         </p:txBody>
       </p:sp>
@@ -408,38 +421,37 @@
           <a:p>
             <a:pPr lvl="0"/>
             <a:r>
-              <a:rPr lang="en-US" smtClean="0"/>
+              <a:rPr lang="en-US"/>
               <a:t>Click to edit Master text styles</a:t>
             </a:r>
           </a:p>
           <a:p>
             <a:pPr lvl="1"/>
             <a:r>
-              <a:rPr lang="en-US" smtClean="0"/>
+              <a:rPr lang="en-US"/>
               <a:t>Second level</a:t>
             </a:r>
           </a:p>
           <a:p>
             <a:pPr lvl="2"/>
             <a:r>
-              <a:rPr lang="en-US" smtClean="0"/>
+              <a:rPr lang="en-US"/>
               <a:t>Third level</a:t>
             </a:r>
           </a:p>
           <a:p>
             <a:pPr lvl="3"/>
             <a:r>
-              <a:rPr lang="en-US" smtClean="0"/>
+              <a:rPr lang="en-US"/>
               <a:t>Fourth level</a:t>
             </a:r>
           </a:p>
           <a:p>
             <a:pPr lvl="4"/>
             <a:r>
-              <a:rPr lang="en-US" smtClean="0"/>
+              <a:rPr lang="en-US"/>
               <a:t>Fifth level</a:t>
             </a:r>
-            <a:endParaRPr lang="en-US"/>
           </a:p>
         </p:txBody>
       </p:sp>
@@ -460,7 +472,7 @@
           <a:p>
             <a:fld id="{264F197D-2F61-4404-B41C-CD8505E57083}" type="datetimeFigureOut">
               <a:rPr lang="en-US" smtClean="0"/>
-              <a:t>12/14/2016</a:t>
+              <a:t>10/15/2019</a:t>
             </a:fld>
             <a:endParaRPr lang="en-US"/>
           </a:p>
@@ -559,10 +571,9 @@
           <a:lstStyle/>
           <a:p>
             <a:r>
-              <a:rPr lang="en-US" smtClean="0"/>
+              <a:rPr lang="en-US"/>
               <a:t>Click to edit Master title style</a:t>
             </a:r>
-            <a:endParaRPr lang="en-US"/>
           </a:p>
         </p:txBody>
       </p:sp>
@@ -588,38 +599,37 @@
           <a:p>
             <a:pPr lvl="0"/>
             <a:r>
-              <a:rPr lang="en-US" smtClean="0"/>
+              <a:rPr lang="en-US"/>
               <a:t>Click to edit Master text styles</a:t>
             </a:r>
           </a:p>
           <a:p>
             <a:pPr lvl="1"/>
             <a:r>
-              <a:rPr lang="en-US" smtClean="0"/>
+              <a:rPr lang="en-US"/>
               <a:t>Second level</a:t>
             </a:r>
           </a:p>
           <a:p>
             <a:pPr lvl="2"/>
             <a:r>
-              <a:rPr lang="en-US" smtClean="0"/>
+              <a:rPr lang="en-US"/>
               <a:t>Third level</a:t>
             </a:r>
           </a:p>
           <a:p>
             <a:pPr lvl="3"/>
             <a:r>
-              <a:rPr lang="en-US" smtClean="0"/>
+              <a:rPr lang="en-US"/>
               <a:t>Fourth level</a:t>
             </a:r>
           </a:p>
           <a:p>
             <a:pPr lvl="4"/>
             <a:r>
-              <a:rPr lang="en-US" smtClean="0"/>
+              <a:rPr lang="en-US"/>
               <a:t>Fifth level</a:t>
             </a:r>
-            <a:endParaRPr lang="en-US"/>
           </a:p>
         </p:txBody>
       </p:sp>
@@ -640,7 +650,7 @@
           <a:p>
             <a:fld id="{264F197D-2F61-4404-B41C-CD8505E57083}" type="datetimeFigureOut">
               <a:rPr lang="en-US" smtClean="0"/>
-              <a:t>12/14/2016</a:t>
+              <a:t>10/15/2019</a:t>
             </a:fld>
             <a:endParaRPr lang="en-US"/>
           </a:p>
@@ -734,10 +744,9 @@
           <a:lstStyle/>
           <a:p>
             <a:r>
-              <a:rPr lang="en-US" smtClean="0"/>
+              <a:rPr lang="en-US"/>
               <a:t>Click to edit Master title style</a:t>
             </a:r>
-            <a:endParaRPr lang="en-US"/>
           </a:p>
         </p:txBody>
       </p:sp>
@@ -758,38 +767,37 @@
           <a:p>
             <a:pPr lvl="0"/>
             <a:r>
-              <a:rPr lang="en-US" smtClean="0"/>
+              <a:rPr lang="en-US"/>
               <a:t>Click to edit Master text styles</a:t>
             </a:r>
           </a:p>
           <a:p>
             <a:pPr lvl="1"/>
             <a:r>
-              <a:rPr lang="en-US" smtClean="0"/>
+              <a:rPr lang="en-US"/>
               <a:t>Second level</a:t>
             </a:r>
           </a:p>
           <a:p>
             <a:pPr lvl="2"/>
             <a:r>
-              <a:rPr lang="en-US" smtClean="0"/>
+              <a:rPr lang="en-US"/>
               <a:t>Third level</a:t>
             </a:r>
           </a:p>
           <a:p>
             <a:pPr lvl="3"/>
             <a:r>
-              <a:rPr lang="en-US" smtClean="0"/>
+              <a:rPr lang="en-US"/>
               <a:t>Fourth level</a:t>
             </a:r>
           </a:p>
           <a:p>
             <a:pPr lvl="4"/>
             <a:r>
-              <a:rPr lang="en-US" smtClean="0"/>
+              <a:rPr lang="en-US"/>
               <a:t>Fifth level</a:t>
             </a:r>
-            <a:endParaRPr lang="en-US"/>
           </a:p>
         </p:txBody>
       </p:sp>
@@ -810,7 +818,7 @@
           <a:p>
             <a:fld id="{264F197D-2F61-4404-B41C-CD8505E57083}" type="datetimeFigureOut">
               <a:rPr lang="en-US" smtClean="0"/>
-              <a:t>12/14/2016</a:t>
+              <a:t>10/15/2019</a:t>
             </a:fld>
             <a:endParaRPr lang="en-US"/>
           </a:p>
@@ -913,10 +921,9 @@
           </a:lstStyle>
           <a:p>
             <a:r>
-              <a:rPr lang="en-US" smtClean="0"/>
+              <a:rPr lang="en-US"/>
               <a:t>Click to edit Master title style</a:t>
             </a:r>
-            <a:endParaRPr lang="en-US"/>
           </a:p>
         </p:txBody>
       </p:sp>
@@ -1033,7 +1040,7 @@
           <a:p>
             <a:pPr lvl="0"/>
             <a:r>
-              <a:rPr lang="en-US" smtClean="0"/>
+              <a:rPr lang="en-US"/>
               <a:t>Click to edit Master text styles</a:t>
             </a:r>
           </a:p>
@@ -1056,7 +1063,7 @@
           <a:p>
             <a:fld id="{264F197D-2F61-4404-B41C-CD8505E57083}" type="datetimeFigureOut">
               <a:rPr lang="en-US" smtClean="0"/>
-              <a:t>12/14/2016</a:t>
+              <a:t>10/15/2019</a:t>
             </a:fld>
             <a:endParaRPr lang="en-US"/>
           </a:p>
@@ -1150,10 +1157,9 @@
           <a:lstStyle/>
           <a:p>
             <a:r>
-              <a:rPr lang="en-US" smtClean="0"/>
+              <a:rPr lang="en-US"/>
               <a:t>Click to edit Master title style</a:t>
             </a:r>
-            <a:endParaRPr lang="en-US"/>
           </a:p>
         </p:txBody>
       </p:sp>
@@ -1207,38 +1213,37 @@
           <a:p>
             <a:pPr lvl="0"/>
             <a:r>
-              <a:rPr lang="en-US" smtClean="0"/>
+              <a:rPr lang="en-US"/>
               <a:t>Click to edit Master text styles</a:t>
             </a:r>
           </a:p>
           <a:p>
             <a:pPr lvl="1"/>
             <a:r>
-              <a:rPr lang="en-US" smtClean="0"/>
+              <a:rPr lang="en-US"/>
               <a:t>Second level</a:t>
             </a:r>
           </a:p>
           <a:p>
             <a:pPr lvl="2"/>
             <a:r>
-              <a:rPr lang="en-US" smtClean="0"/>
+              <a:rPr lang="en-US"/>
               <a:t>Third level</a:t>
             </a:r>
           </a:p>
           <a:p>
             <a:pPr lvl="3"/>
             <a:r>
-              <a:rPr lang="en-US" smtClean="0"/>
+              <a:rPr lang="en-US"/>
               <a:t>Fourth level</a:t>
             </a:r>
           </a:p>
           <a:p>
             <a:pPr lvl="4"/>
             <a:r>
-              <a:rPr lang="en-US" smtClean="0"/>
+              <a:rPr lang="en-US"/>
               <a:t>Fifth level</a:t>
             </a:r>
-            <a:endParaRPr lang="en-US"/>
           </a:p>
         </p:txBody>
       </p:sp>
@@ -1292,38 +1297,37 @@
           <a:p>
             <a:pPr lvl="0"/>
             <a:r>
-              <a:rPr lang="en-US" smtClean="0"/>
+              <a:rPr lang="en-US"/>
               <a:t>Click to edit Master text styles</a:t>
             </a:r>
           </a:p>
           <a:p>
             <a:pPr lvl="1"/>
             <a:r>
-              <a:rPr lang="en-US" smtClean="0"/>
+              <a:rPr lang="en-US"/>
               <a:t>Second level</a:t>
             </a:r>
           </a:p>
           <a:p>
             <a:pPr lvl="2"/>
             <a:r>
-              <a:rPr lang="en-US" smtClean="0"/>
+              <a:rPr lang="en-US"/>
               <a:t>Third level</a:t>
             </a:r>
           </a:p>
           <a:p>
             <a:pPr lvl="3"/>
             <a:r>
-              <a:rPr lang="en-US" smtClean="0"/>
+              <a:rPr lang="en-US"/>
               <a:t>Fourth level</a:t>
             </a:r>
           </a:p>
           <a:p>
             <a:pPr lvl="4"/>
             <a:r>
-              <a:rPr lang="en-US" smtClean="0"/>
+              <a:rPr lang="en-US"/>
               <a:t>Fifth level</a:t>
             </a:r>
-            <a:endParaRPr lang="en-US"/>
           </a:p>
         </p:txBody>
       </p:sp>
@@ -1344,7 +1348,7 @@
           <a:p>
             <a:fld id="{264F197D-2F61-4404-B41C-CD8505E57083}" type="datetimeFigureOut">
               <a:rPr lang="en-US" smtClean="0"/>
-              <a:t>12/14/2016</a:t>
+              <a:t>10/15/2019</a:t>
             </a:fld>
             <a:endParaRPr lang="en-US"/>
           </a:p>
@@ -1442,10 +1446,9 @@
           </a:lstStyle>
           <a:p>
             <a:r>
-              <a:rPr lang="en-US" smtClean="0"/>
+              <a:rPr lang="en-US"/>
               <a:t>Click to edit Master title style</a:t>
             </a:r>
-            <a:endParaRPr lang="en-US"/>
           </a:p>
         </p:txBody>
       </p:sp>
@@ -1508,7 +1511,7 @@
           <a:p>
             <a:pPr lvl="0"/>
             <a:r>
-              <a:rPr lang="en-US" smtClean="0"/>
+              <a:rPr lang="en-US"/>
               <a:t>Click to edit Master text styles</a:t>
             </a:r>
           </a:p>
@@ -1564,38 +1567,37 @@
           <a:p>
             <a:pPr lvl="0"/>
             <a:r>
-              <a:rPr lang="en-US" smtClean="0"/>
+              <a:rPr lang="en-US"/>
               <a:t>Click to edit Master text styles</a:t>
             </a:r>
           </a:p>
           <a:p>
             <a:pPr lvl="1"/>
             <a:r>
-              <a:rPr lang="en-US" smtClean="0"/>
+              <a:rPr lang="en-US"/>
               <a:t>Second level</a:t>
             </a:r>
           </a:p>
           <a:p>
             <a:pPr lvl="2"/>
             <a:r>
-              <a:rPr lang="en-US" smtClean="0"/>
+              <a:rPr lang="en-US"/>
               <a:t>Third level</a:t>
             </a:r>
           </a:p>
           <a:p>
             <a:pPr lvl="3"/>
             <a:r>
-              <a:rPr lang="en-US" smtClean="0"/>
+              <a:rPr lang="en-US"/>
               <a:t>Fourth level</a:t>
             </a:r>
           </a:p>
           <a:p>
             <a:pPr lvl="4"/>
             <a:r>
-              <a:rPr lang="en-US" smtClean="0"/>
+              <a:rPr lang="en-US"/>
               <a:t>Fifth level</a:t>
             </a:r>
-            <a:endParaRPr lang="en-US"/>
           </a:p>
         </p:txBody>
       </p:sp>
@@ -1658,7 +1660,7 @@
           <a:p>
             <a:pPr lvl="0"/>
             <a:r>
-              <a:rPr lang="en-US" smtClean="0"/>
+              <a:rPr lang="en-US"/>
               <a:t>Click to edit Master text styles</a:t>
             </a:r>
           </a:p>
@@ -1714,38 +1716,37 @@
           <a:p>
             <a:pPr lvl="0"/>
             <a:r>
-              <a:rPr lang="en-US" smtClean="0"/>
+              <a:rPr lang="en-US"/>
               <a:t>Click to edit Master text styles</a:t>
             </a:r>
           </a:p>
           <a:p>
             <a:pPr lvl="1"/>
             <a:r>
-              <a:rPr lang="en-US" smtClean="0"/>
+              <a:rPr lang="en-US"/>
               <a:t>Second level</a:t>
             </a:r>
           </a:p>
           <a:p>
             <a:pPr lvl="2"/>
             <a:r>
-              <a:rPr lang="en-US" smtClean="0"/>
+              <a:rPr lang="en-US"/>
               <a:t>Third level</a:t>
             </a:r>
           </a:p>
           <a:p>
             <a:pPr lvl="3"/>
             <a:r>
-              <a:rPr lang="en-US" smtClean="0"/>
+              <a:rPr lang="en-US"/>
               <a:t>Fourth level</a:t>
             </a:r>
           </a:p>
           <a:p>
             <a:pPr lvl="4"/>
             <a:r>
-              <a:rPr lang="en-US" smtClean="0"/>
+              <a:rPr lang="en-US"/>
               <a:t>Fifth level</a:t>
             </a:r>
-            <a:endParaRPr lang="en-US"/>
           </a:p>
         </p:txBody>
       </p:sp>
@@ -1766,7 +1767,7 @@
           <a:p>
             <a:fld id="{264F197D-2F61-4404-B41C-CD8505E57083}" type="datetimeFigureOut">
               <a:rPr lang="en-US" smtClean="0"/>
-              <a:t>12/14/2016</a:t>
+              <a:t>10/15/2019</a:t>
             </a:fld>
             <a:endParaRPr lang="en-US"/>
           </a:p>
@@ -1860,10 +1861,9 @@
           <a:lstStyle/>
           <a:p>
             <a:r>
-              <a:rPr lang="en-US" smtClean="0"/>
+              <a:rPr lang="en-US"/>
               <a:t>Click to edit Master title style</a:t>
             </a:r>
-            <a:endParaRPr lang="en-US"/>
           </a:p>
         </p:txBody>
       </p:sp>
@@ -1884,7 +1884,7 @@
           <a:p>
             <a:fld id="{264F197D-2F61-4404-B41C-CD8505E57083}" type="datetimeFigureOut">
               <a:rPr lang="en-US" smtClean="0"/>
-              <a:t>12/14/2016</a:t>
+              <a:t>10/15/2019</a:t>
             </a:fld>
             <a:endParaRPr lang="en-US"/>
           </a:p>
@@ -1979,7 +1979,7 @@
           <a:p>
             <a:fld id="{264F197D-2F61-4404-B41C-CD8505E57083}" type="datetimeFigureOut">
               <a:rPr lang="en-US" smtClean="0"/>
-              <a:t>12/14/2016</a:t>
+              <a:t>10/15/2019</a:t>
             </a:fld>
             <a:endParaRPr lang="en-US"/>
           </a:p>
@@ -2082,10 +2082,9 @@
           </a:lstStyle>
           <a:p>
             <a:r>
-              <a:rPr lang="en-US" smtClean="0"/>
+              <a:rPr lang="en-US"/>
               <a:t>Click to edit Master title style</a:t>
             </a:r>
-            <a:endParaRPr lang="en-US"/>
           </a:p>
         </p:txBody>
       </p:sp>
@@ -2139,38 +2138,37 @@
           <a:p>
             <a:pPr lvl="0"/>
             <a:r>
-              <a:rPr lang="en-US" smtClean="0"/>
+              <a:rPr lang="en-US"/>
               <a:t>Click to edit Master text styles</a:t>
             </a:r>
           </a:p>
           <a:p>
             <a:pPr lvl="1"/>
             <a:r>
-              <a:rPr lang="en-US" smtClean="0"/>
+              <a:rPr lang="en-US"/>
               <a:t>Second level</a:t>
             </a:r>
           </a:p>
           <a:p>
             <a:pPr lvl="2"/>
             <a:r>
-              <a:rPr lang="en-US" smtClean="0"/>
+              <a:rPr lang="en-US"/>
               <a:t>Third level</a:t>
             </a:r>
           </a:p>
           <a:p>
             <a:pPr lvl="3"/>
             <a:r>
-              <a:rPr lang="en-US" smtClean="0"/>
+              <a:rPr lang="en-US"/>
               <a:t>Fourth level</a:t>
             </a:r>
           </a:p>
           <a:p>
             <a:pPr lvl="4"/>
             <a:r>
-              <a:rPr lang="en-US" smtClean="0"/>
+              <a:rPr lang="en-US"/>
               <a:t>Fifth level</a:t>
             </a:r>
-            <a:endParaRPr lang="en-US"/>
           </a:p>
         </p:txBody>
       </p:sp>
@@ -2233,7 +2231,7 @@
           <a:p>
             <a:pPr lvl="0"/>
             <a:r>
-              <a:rPr lang="en-US" smtClean="0"/>
+              <a:rPr lang="en-US"/>
               <a:t>Click to edit Master text styles</a:t>
             </a:r>
           </a:p>
@@ -2256,7 +2254,7 @@
           <a:p>
             <a:fld id="{264F197D-2F61-4404-B41C-CD8505E57083}" type="datetimeFigureOut">
               <a:rPr lang="en-US" smtClean="0"/>
-              <a:t>12/14/2016</a:t>
+              <a:t>10/15/2019</a:t>
             </a:fld>
             <a:endParaRPr lang="en-US"/>
           </a:p>
@@ -2359,10 +2357,9 @@
           </a:lstStyle>
           <a:p>
             <a:r>
-              <a:rPr lang="en-US" smtClean="0"/>
+              <a:rPr lang="en-US"/>
               <a:t>Click to edit Master title style</a:t>
             </a:r>
-            <a:endParaRPr lang="en-US"/>
           </a:p>
         </p:txBody>
       </p:sp>
@@ -2486,7 +2483,7 @@
           <a:p>
             <a:pPr lvl="0"/>
             <a:r>
-              <a:rPr lang="en-US" smtClean="0"/>
+              <a:rPr lang="en-US"/>
               <a:t>Click to edit Master text styles</a:t>
             </a:r>
           </a:p>
@@ -2509,7 +2506,7 @@
           <a:p>
             <a:fld id="{264F197D-2F61-4404-B41C-CD8505E57083}" type="datetimeFigureOut">
               <a:rPr lang="en-US" smtClean="0"/>
-              <a:t>12/14/2016</a:t>
+              <a:t>10/15/2019</a:t>
             </a:fld>
             <a:endParaRPr lang="en-US"/>
           </a:p>
@@ -2618,10 +2615,9 @@
           <a:lstStyle/>
           <a:p>
             <a:r>
-              <a:rPr lang="en-US" smtClean="0"/>
+              <a:rPr lang="en-US"/>
               <a:t>Click to edit Master title style</a:t>
             </a:r>
-            <a:endParaRPr lang="en-US"/>
           </a:p>
         </p:txBody>
       </p:sp>
@@ -2652,38 +2648,37 @@
           <a:p>
             <a:pPr lvl="0"/>
             <a:r>
-              <a:rPr lang="en-US" smtClean="0"/>
+              <a:rPr lang="en-US"/>
               <a:t>Click to edit Master text styles</a:t>
             </a:r>
           </a:p>
           <a:p>
             <a:pPr lvl="1"/>
             <a:r>
-              <a:rPr lang="en-US" smtClean="0"/>
+              <a:rPr lang="en-US"/>
               <a:t>Second level</a:t>
             </a:r>
           </a:p>
           <a:p>
             <a:pPr lvl="2"/>
             <a:r>
-              <a:rPr lang="en-US" smtClean="0"/>
+              <a:rPr lang="en-US"/>
               <a:t>Third level</a:t>
             </a:r>
           </a:p>
           <a:p>
             <a:pPr lvl="3"/>
             <a:r>
-              <a:rPr lang="en-US" smtClean="0"/>
+              <a:rPr lang="en-US"/>
               <a:t>Fourth level</a:t>
             </a:r>
           </a:p>
           <a:p>
             <a:pPr lvl="4"/>
             <a:r>
-              <a:rPr lang="en-US" smtClean="0"/>
+              <a:rPr lang="en-US"/>
               <a:t>Fifth level</a:t>
             </a:r>
-            <a:endParaRPr lang="en-US"/>
           </a:p>
         </p:txBody>
       </p:sp>
@@ -2722,7 +2717,7 @@
           <a:p>
             <a:fld id="{264F197D-2F61-4404-B41C-CD8505E57083}" type="datetimeFigureOut">
               <a:rPr lang="en-US" smtClean="0"/>
-              <a:t>12/14/2016</a:t>
+              <a:t>10/15/2019</a:t>
             </a:fld>
             <a:endParaRPr lang="en-US"/>
           </a:p>
@@ -3097,567 +3092,595 @@
           <a:chExt cx="0" cy="0"/>
         </a:xfrm>
       </p:grpSpPr>
-      <p:grpSp>
-        <p:nvGrpSpPr>
-          <p:cNvPr id="2" name="Group 1"/>
-          <p:cNvGrpSpPr/>
+      <p:sp>
+        <p:nvSpPr>
+          <p:cNvPr id="5" name="Down Arrow 4"/>
+          <p:cNvSpPr/>
           <p:nvPr/>
-        </p:nvGrpSpPr>
-        <p:grpSpPr>
+        </p:nvSpPr>
+        <p:spPr>
+          <a:xfrm rot="16200000">
+            <a:off x="3211305" y="3924300"/>
+            <a:ext cx="457200" cy="457200"/>
+          </a:xfrm>
+          <a:prstGeom prst="downArrow">
+            <a:avLst/>
+          </a:prstGeom>
+        </p:spPr>
+        <p:style>
+          <a:lnRef idx="2">
+            <a:schemeClr val="dk1">
+              <a:shade val="50000"/>
+            </a:schemeClr>
+          </a:lnRef>
+          <a:fillRef idx="1">
+            <a:schemeClr val="dk1"/>
+          </a:fillRef>
+          <a:effectRef idx="0">
+            <a:schemeClr val="dk1"/>
+          </a:effectRef>
+          <a:fontRef idx="minor">
+            <a:schemeClr val="lt1"/>
+          </a:fontRef>
+        </p:style>
+        <p:txBody>
+          <a:bodyPr rtlCol="0" anchor="ctr"/>
+          <a:lstStyle/>
+          <a:p>
+            <a:pPr algn="ctr"/>
+            <a:endParaRPr lang="en-US">
+              <a:solidFill>
+                <a:prstClr val="white"/>
+              </a:solidFill>
+            </a:endParaRPr>
+          </a:p>
+        </p:txBody>
+      </p:sp>
+      <p:sp>
+        <p:nvSpPr>
+          <p:cNvPr id="6" name="Rounded Rectangle 5"/>
+          <p:cNvSpPr/>
+          <p:nvPr/>
+        </p:nvSpPr>
+        <p:spPr>
           <a:xfrm>
-            <a:off x="49223" y="1905000"/>
-            <a:ext cx="7957379" cy="3886201"/>
-            <a:chOff x="49223" y="1905000"/>
-            <a:chExt cx="7957379" cy="3886201"/>
+            <a:off x="593310" y="2819400"/>
+            <a:ext cx="2514600" cy="2133600"/>
           </a:xfrm>
-        </p:grpSpPr>
-        <p:sp>
-          <p:nvSpPr>
-            <p:cNvPr id="5" name="Down Arrow 4"/>
-            <p:cNvSpPr/>
-            <p:nvPr/>
-          </p:nvSpPr>
-          <p:spPr>
-            <a:xfrm rot="16200000">
-              <a:off x="2667218" y="4000500"/>
-              <a:ext cx="457200" cy="457200"/>
-            </a:xfrm>
-            <a:prstGeom prst="downArrow">
-              <a:avLst/>
-            </a:prstGeom>
-          </p:spPr>
-          <p:style>
-            <a:lnRef idx="2">
-              <a:schemeClr val="dk1">
-                <a:shade val="50000"/>
-              </a:schemeClr>
-            </a:lnRef>
-            <a:fillRef idx="1">
-              <a:schemeClr val="dk1"/>
-            </a:fillRef>
-            <a:effectRef idx="0">
-              <a:schemeClr val="dk1"/>
-            </a:effectRef>
-            <a:fontRef idx="minor">
-              <a:schemeClr val="lt1"/>
-            </a:fontRef>
-          </p:style>
-          <p:txBody>
-            <a:bodyPr rtlCol="0" anchor="ctr"/>
-            <a:lstStyle/>
-            <a:p>
-              <a:pPr algn="ctr"/>
-              <a:endParaRPr lang="en-US">
+          <a:prstGeom prst="roundRect">
+            <a:avLst/>
+          </a:prstGeom>
+        </p:spPr>
+        <p:style>
+          <a:lnRef idx="2">
+            <a:schemeClr val="accent1">
+              <a:shade val="50000"/>
+            </a:schemeClr>
+          </a:lnRef>
+          <a:fillRef idx="1">
+            <a:schemeClr val="accent1"/>
+          </a:fillRef>
+          <a:effectRef idx="0">
+            <a:schemeClr val="accent1"/>
+          </a:effectRef>
+          <a:fontRef idx="minor">
+            <a:schemeClr val="lt1"/>
+          </a:fontRef>
+        </p:style>
+        <p:txBody>
+          <a:bodyPr rtlCol="0" anchor="t" anchorCtr="0"/>
+          <a:lstStyle/>
+          <a:p>
+            <a:pPr algn="ctr"/>
+            <a:r>
+              <a:rPr lang="en-US" sz="1000" b="1" u="sng" dirty="0">
                 <a:solidFill>
                   <a:prstClr val="white"/>
                 </a:solidFill>
-              </a:endParaRPr>
-            </a:p>
-          </p:txBody>
-        </p:sp>
-        <p:sp>
-          <p:nvSpPr>
-            <p:cNvPr id="6" name="Rounded Rectangle 5"/>
-            <p:cNvSpPr/>
-            <p:nvPr/>
-          </p:nvSpPr>
-          <p:spPr>
-            <a:xfrm>
-              <a:off x="49223" y="3429000"/>
-              <a:ext cx="2514600" cy="1600200"/>
-            </a:xfrm>
-            <a:prstGeom prst="roundRect">
-              <a:avLst/>
-            </a:prstGeom>
-          </p:spPr>
-          <p:style>
-            <a:lnRef idx="2">
-              <a:schemeClr val="accent1">
-                <a:shade val="50000"/>
-              </a:schemeClr>
-            </a:lnRef>
-            <a:fillRef idx="1">
-              <a:schemeClr val="accent1"/>
-            </a:fillRef>
-            <a:effectRef idx="0">
-              <a:schemeClr val="accent1"/>
-            </a:effectRef>
-            <a:fontRef idx="minor">
-              <a:schemeClr val="lt1"/>
-            </a:fontRef>
-          </p:style>
-          <p:txBody>
-            <a:bodyPr rtlCol="0" anchor="t" anchorCtr="0"/>
-            <a:lstStyle/>
-            <a:p>
-              <a:pPr algn="ctr"/>
-              <a:r>
-                <a:rPr lang="en-US" sz="1000" b="1" u="sng" dirty="0" smtClean="0">
-                  <a:solidFill>
-                    <a:prstClr val="white"/>
-                  </a:solidFill>
-                </a:rPr>
-                <a:t>Preprocess</a:t>
-              </a:r>
-            </a:p>
-            <a:p>
-              <a:pPr marL="119063" indent="-119063">
-                <a:buFont typeface="Arial" pitchFamily="34" charset="0"/>
-                <a:buChar char="•"/>
-              </a:pPr>
-              <a:r>
-                <a:rPr lang="en-US" sz="1000" dirty="0" err="1" smtClean="0"/>
-                <a:t>HeartDriver</a:t>
-              </a:r>
-              <a:endParaRPr lang="en-US" sz="1000" dirty="0" smtClean="0"/>
-            </a:p>
-            <a:p>
-              <a:pPr marL="576263" lvl="1" indent="-119063">
-                <a:buFont typeface="Arial" pitchFamily="34" charset="0"/>
-                <a:buChar char="•"/>
-              </a:pPr>
-              <a:r>
-                <a:rPr lang="en-US" sz="1000" dirty="0" err="1" smtClean="0"/>
-                <a:t>BeginCardiacCycle</a:t>
-              </a:r>
-              <a:endParaRPr lang="en-US" sz="1000" dirty="0" smtClean="0"/>
-            </a:p>
-            <a:p>
-              <a:pPr marL="576263" lvl="1" indent="-119063">
-                <a:buFont typeface="Arial" pitchFamily="34" charset="0"/>
-                <a:buChar char="•"/>
-              </a:pPr>
-              <a:r>
-                <a:rPr lang="en-US" sz="1000" dirty="0" err="1" smtClean="0"/>
-                <a:t>CalculateHeartElastance</a:t>
-              </a:r>
-              <a:endParaRPr lang="en-US" sz="1000" dirty="0" smtClean="0"/>
-            </a:p>
-            <a:p>
-              <a:pPr marL="119063" indent="-119063">
-                <a:buFont typeface="Arial" pitchFamily="34" charset="0"/>
-                <a:buChar char="•"/>
-              </a:pPr>
-              <a:r>
-                <a:rPr lang="en-US" sz="1000" dirty="0" err="1" smtClean="0"/>
-                <a:t>ProcessActions</a:t>
-              </a:r>
-              <a:endParaRPr lang="en-US" sz="1000" dirty="0" smtClean="0"/>
-            </a:p>
-            <a:p>
-              <a:pPr marL="576263" lvl="1" indent="-119063">
-                <a:buFont typeface="Arial" pitchFamily="34" charset="0"/>
-                <a:buChar char="•"/>
-              </a:pPr>
-              <a:r>
-                <a:rPr lang="en-US" sz="1000" dirty="0" smtClean="0"/>
-                <a:t>Hemorrhage</a:t>
-              </a:r>
-            </a:p>
-            <a:p>
-              <a:pPr marL="576263" lvl="1" indent="-119063">
-                <a:buFont typeface="Arial" pitchFamily="34" charset="0"/>
-                <a:buChar char="•"/>
-              </a:pPr>
-              <a:r>
-                <a:rPr lang="en-US" sz="1000" dirty="0" err="1" smtClean="0"/>
-                <a:t>PericardialEffusionAction</a:t>
-              </a:r>
-              <a:endParaRPr lang="en-US" sz="1000" dirty="0" smtClean="0"/>
-            </a:p>
-            <a:p>
-              <a:pPr marL="576263" lvl="1" indent="-119063">
-                <a:buFont typeface="Arial" pitchFamily="34" charset="0"/>
-                <a:buChar char="•"/>
-              </a:pPr>
-              <a:r>
-                <a:rPr lang="en-US" sz="1000" dirty="0" smtClean="0"/>
-                <a:t>CPR</a:t>
-              </a:r>
-            </a:p>
-            <a:p>
-              <a:pPr marL="576263" lvl="1" indent="-119063">
-                <a:buFont typeface="Arial" pitchFamily="34" charset="0"/>
-                <a:buChar char="•"/>
-              </a:pPr>
-              <a:r>
-                <a:rPr lang="en-US" sz="1000" dirty="0" err="1" smtClean="0"/>
-                <a:t>CardiacArrest</a:t>
-              </a:r>
-              <a:endParaRPr lang="en-US" sz="1000" dirty="0" smtClean="0"/>
-            </a:p>
-            <a:p>
-              <a:pPr marL="576263" lvl="1" indent="-119063">
-                <a:buFont typeface="Arial" pitchFamily="34" charset="0"/>
-                <a:buChar char="•"/>
-              </a:pPr>
-              <a:endParaRPr lang="en-US" sz="1000" dirty="0" smtClean="0"/>
-            </a:p>
-          </p:txBody>
-        </p:sp>
-        <p:sp>
-          <p:nvSpPr>
-            <p:cNvPr id="7" name="Rounded Rectangle 6"/>
-            <p:cNvSpPr/>
-            <p:nvPr/>
-          </p:nvSpPr>
-          <p:spPr>
-            <a:xfrm>
-              <a:off x="3227813" y="3805783"/>
-              <a:ext cx="2286000" cy="914400"/>
-            </a:xfrm>
-            <a:prstGeom prst="roundRect">
-              <a:avLst/>
-            </a:prstGeom>
-          </p:spPr>
-          <p:style>
-            <a:lnRef idx="2">
-              <a:schemeClr val="accent1">
-                <a:shade val="50000"/>
-              </a:schemeClr>
-            </a:lnRef>
-            <a:fillRef idx="1">
-              <a:schemeClr val="accent1"/>
-            </a:fillRef>
-            <a:effectRef idx="0">
-              <a:schemeClr val="accent1"/>
-            </a:effectRef>
-            <a:fontRef idx="minor">
-              <a:schemeClr val="lt1"/>
-            </a:fontRef>
-          </p:style>
-          <p:txBody>
-            <a:bodyPr rtlCol="0" anchor="t" anchorCtr="0"/>
-            <a:lstStyle/>
-            <a:p>
-              <a:pPr algn="ctr"/>
-              <a:r>
-                <a:rPr lang="en-US" sz="1050" b="1" u="sng" dirty="0" smtClean="0">
-                  <a:solidFill>
-                    <a:prstClr val="white"/>
-                  </a:solidFill>
-                </a:rPr>
-                <a:t>Process</a:t>
-              </a:r>
-            </a:p>
-            <a:p>
-              <a:pPr marL="119063" indent="-119063">
-                <a:buFont typeface="Arial" pitchFamily="34" charset="0"/>
-                <a:buChar char="•"/>
-              </a:pPr>
-              <a:r>
-                <a:rPr lang="en-US" sz="1050" dirty="0" smtClean="0"/>
-                <a:t>Solve Circuit</a:t>
-              </a:r>
-            </a:p>
-            <a:p>
-              <a:pPr marL="119063" indent="-119063">
-                <a:buFont typeface="Arial" pitchFamily="34" charset="0"/>
-                <a:buChar char="•"/>
-              </a:pPr>
-              <a:r>
-                <a:rPr lang="en-US" sz="1050" dirty="0" err="1" smtClean="0"/>
-                <a:t>Advective</a:t>
-              </a:r>
-              <a:r>
-                <a:rPr lang="en-US" sz="1050" dirty="0" smtClean="0"/>
-                <a:t> Transport</a:t>
-              </a:r>
-            </a:p>
-            <a:p>
-              <a:pPr marL="119063" indent="-119063">
-                <a:buFont typeface="Arial" pitchFamily="34" charset="0"/>
-                <a:buChar char="•"/>
-              </a:pPr>
-              <a:r>
-                <a:rPr lang="en-US" sz="1050" dirty="0" err="1" smtClean="0"/>
-                <a:t>CalculateVitalSigns</a:t>
-              </a:r>
-              <a:endParaRPr lang="en-US" sz="1050" dirty="0" smtClean="0"/>
-            </a:p>
-          </p:txBody>
-        </p:sp>
-        <p:sp>
-          <p:nvSpPr>
-            <p:cNvPr id="8" name="Rounded Rectangle 7"/>
-            <p:cNvSpPr/>
-            <p:nvPr/>
-          </p:nvSpPr>
-          <p:spPr>
-            <a:xfrm>
-              <a:off x="6177802" y="4000499"/>
-              <a:ext cx="1828800" cy="457200"/>
-            </a:xfrm>
-            <a:prstGeom prst="roundRect">
-              <a:avLst/>
-            </a:prstGeom>
-          </p:spPr>
-          <p:style>
-            <a:lnRef idx="2">
-              <a:schemeClr val="accent1">
-                <a:shade val="50000"/>
-              </a:schemeClr>
-            </a:lnRef>
-            <a:fillRef idx="1">
-              <a:schemeClr val="accent1"/>
-            </a:fillRef>
-            <a:effectRef idx="0">
-              <a:schemeClr val="accent1"/>
-            </a:effectRef>
-            <a:fontRef idx="minor">
-              <a:schemeClr val="lt1"/>
-            </a:fontRef>
-          </p:style>
-          <p:txBody>
-            <a:bodyPr rtlCol="0" anchor="t" anchorCtr="0"/>
-            <a:lstStyle/>
-            <a:p>
-              <a:pPr algn="ctr"/>
-              <a:r>
-                <a:rPr lang="en-US" sz="1050" b="1" u="sng" dirty="0" err="1" smtClean="0">
-                  <a:solidFill>
-                    <a:prstClr val="white"/>
-                  </a:solidFill>
-                </a:rPr>
-                <a:t>PostProcess</a:t>
-              </a:r>
-              <a:endParaRPr lang="en-US" sz="1050" b="1" u="sng" dirty="0" smtClean="0">
+              </a:rPr>
+              <a:t>Preprocess</a:t>
+            </a:r>
+          </a:p>
+          <a:p>
+            <a:pPr marL="119063" indent="-119063">
+              <a:buFont typeface="Arial" pitchFamily="34" charset="0"/>
+              <a:buChar char="•"/>
+            </a:pPr>
+            <a:r>
+              <a:rPr lang="en-US" sz="1000" dirty="0" err="1"/>
+              <a:t>HeartDriver</a:t>
+            </a:r>
+            <a:endParaRPr lang="en-US" sz="1000" dirty="0"/>
+          </a:p>
+          <a:p>
+            <a:pPr marL="576263" lvl="1" indent="-119063">
+              <a:buFont typeface="Arial" pitchFamily="34" charset="0"/>
+              <a:buChar char="•"/>
+            </a:pPr>
+            <a:r>
+              <a:rPr lang="en-US" sz="1000" dirty="0" err="1"/>
+              <a:t>BeginCardiacCycle</a:t>
+            </a:r>
+            <a:endParaRPr lang="en-US" sz="1000" dirty="0"/>
+          </a:p>
+          <a:p>
+            <a:pPr marL="576263" lvl="1" indent="-119063">
+              <a:buFont typeface="Arial" pitchFamily="34" charset="0"/>
+              <a:buChar char="•"/>
+            </a:pPr>
+            <a:r>
+              <a:rPr lang="en-US" sz="1000" dirty="0" err="1"/>
+              <a:t>CalculateHeartElastance</a:t>
+            </a:r>
+            <a:endParaRPr lang="en-US" sz="1000" dirty="0"/>
+          </a:p>
+          <a:p>
+            <a:pPr marL="119063" indent="-119063">
+              <a:buFont typeface="Arial" pitchFamily="34" charset="0"/>
+              <a:buChar char="•"/>
+            </a:pPr>
+            <a:r>
+              <a:rPr lang="en-US" sz="1000" dirty="0" err="1"/>
+              <a:t>ProcessActions</a:t>
+            </a:r>
+            <a:endParaRPr lang="en-US" sz="1000" dirty="0"/>
+          </a:p>
+          <a:p>
+            <a:pPr marL="576263" lvl="1" indent="-119063">
+              <a:buFont typeface="Arial" pitchFamily="34" charset="0"/>
+              <a:buChar char="•"/>
+            </a:pPr>
+            <a:r>
+              <a:rPr lang="en-US" sz="1000" dirty="0" err="1"/>
+              <a:t>TraumaticBrainInjury</a:t>
+            </a:r>
+            <a:endParaRPr lang="en-US" sz="1000" dirty="0"/>
+          </a:p>
+          <a:p>
+            <a:pPr marL="576263" lvl="1" indent="-119063">
+              <a:buFont typeface="Arial" pitchFamily="34" charset="0"/>
+              <a:buChar char="•"/>
+            </a:pPr>
+            <a:r>
+              <a:rPr lang="en-US" sz="1000" dirty="0"/>
+              <a:t>Hemorrhage</a:t>
+            </a:r>
+          </a:p>
+          <a:p>
+            <a:pPr marL="576263" lvl="1" indent="-119063">
+              <a:buFont typeface="Arial" pitchFamily="34" charset="0"/>
+              <a:buChar char="•"/>
+            </a:pPr>
+            <a:r>
+              <a:rPr lang="en-US" sz="1000" dirty="0" err="1"/>
+              <a:t>PericardialEffusion</a:t>
+            </a:r>
+            <a:endParaRPr lang="en-US" sz="1000" dirty="0"/>
+          </a:p>
+          <a:p>
+            <a:pPr marL="576263" lvl="1" indent="-119063">
+              <a:buFont typeface="Arial" pitchFamily="34" charset="0"/>
+              <a:buChar char="•"/>
+            </a:pPr>
+            <a:r>
+              <a:rPr lang="en-US" sz="1000" dirty="0"/>
+              <a:t>CPR</a:t>
+            </a:r>
+          </a:p>
+          <a:p>
+            <a:pPr marL="576263" lvl="1" indent="-119063">
+              <a:buFont typeface="Arial" pitchFamily="34" charset="0"/>
+              <a:buChar char="•"/>
+            </a:pPr>
+            <a:r>
+              <a:rPr lang="en-US" sz="1000" dirty="0" err="1"/>
+              <a:t>CardiacArrest</a:t>
+            </a:r>
+            <a:endParaRPr lang="en-US" sz="1000" dirty="0"/>
+          </a:p>
+          <a:p>
+            <a:pPr marL="119063" indent="-119063">
+              <a:buFont typeface="Arial" pitchFamily="34" charset="0"/>
+              <a:buChar char="•"/>
+            </a:pPr>
+            <a:r>
+              <a:rPr lang="en-US" sz="1000" dirty="0" err="1"/>
+              <a:t>UpdateHeartRhythm</a:t>
+            </a:r>
+            <a:endParaRPr lang="en-US" sz="1000" dirty="0"/>
+          </a:p>
+          <a:p>
+            <a:pPr marL="119063" indent="-119063">
+              <a:buFont typeface="Arial" pitchFamily="34" charset="0"/>
+              <a:buChar char="•"/>
+            </a:pPr>
+            <a:r>
+              <a:rPr lang="en-US" sz="1000" dirty="0" err="1"/>
+              <a:t>CalculatePleuralCavityVenousEffects</a:t>
+            </a:r>
+            <a:endParaRPr lang="en-US" sz="1000" dirty="0"/>
+          </a:p>
+          <a:p>
+            <a:pPr marL="576263" lvl="1" indent="-119063">
+              <a:buFont typeface="Arial" pitchFamily="34" charset="0"/>
+              <a:buChar char="•"/>
+            </a:pPr>
+            <a:endParaRPr lang="en-US" sz="1000" dirty="0"/>
+          </a:p>
+        </p:txBody>
+      </p:sp>
+      <p:sp>
+        <p:nvSpPr>
+          <p:cNvPr id="7" name="Rounded Rectangle 6"/>
+          <p:cNvSpPr/>
+          <p:nvPr/>
+        </p:nvSpPr>
+        <p:spPr>
+          <a:xfrm>
+            <a:off x="3771900" y="3729583"/>
+            <a:ext cx="2286000" cy="914400"/>
+          </a:xfrm>
+          <a:prstGeom prst="roundRect">
+            <a:avLst/>
+          </a:prstGeom>
+        </p:spPr>
+        <p:style>
+          <a:lnRef idx="2">
+            <a:schemeClr val="accent1">
+              <a:shade val="50000"/>
+            </a:schemeClr>
+          </a:lnRef>
+          <a:fillRef idx="1">
+            <a:schemeClr val="accent1"/>
+          </a:fillRef>
+          <a:effectRef idx="0">
+            <a:schemeClr val="accent1"/>
+          </a:effectRef>
+          <a:fontRef idx="minor">
+            <a:schemeClr val="lt1"/>
+          </a:fontRef>
+        </p:style>
+        <p:txBody>
+          <a:bodyPr rtlCol="0" anchor="t" anchorCtr="0"/>
+          <a:lstStyle/>
+          <a:p>
+            <a:pPr algn="ctr"/>
+            <a:r>
+              <a:rPr lang="en-US" sz="1050" b="1" u="sng" dirty="0">
                 <a:solidFill>
                   <a:prstClr val="white"/>
                 </a:solidFill>
-              </a:endParaRPr>
-            </a:p>
-            <a:p>
-              <a:pPr marL="119063" indent="-119063">
-                <a:buFont typeface="Arial" pitchFamily="34" charset="0"/>
-                <a:buChar char="•"/>
-              </a:pPr>
-              <a:r>
-                <a:rPr lang="en-US" sz="1050" dirty="0" smtClean="0"/>
-                <a:t>Advance Circuit</a:t>
-              </a:r>
-            </a:p>
-          </p:txBody>
-        </p:sp>
-        <p:sp>
-          <p:nvSpPr>
-            <p:cNvPr id="11" name="Rounded Rectangle 10"/>
-            <p:cNvSpPr/>
-            <p:nvPr/>
-          </p:nvSpPr>
-          <p:spPr>
-            <a:xfrm>
-              <a:off x="49223" y="1905000"/>
-              <a:ext cx="2514600" cy="914400"/>
-            </a:xfrm>
-            <a:prstGeom prst="roundRect">
-              <a:avLst/>
-            </a:prstGeom>
-          </p:spPr>
-          <p:style>
-            <a:lnRef idx="2">
-              <a:schemeClr val="accent1">
-                <a:shade val="50000"/>
-              </a:schemeClr>
-            </a:lnRef>
-            <a:fillRef idx="1">
-              <a:schemeClr val="accent1"/>
-            </a:fillRef>
-            <a:effectRef idx="0">
-              <a:schemeClr val="accent1"/>
-            </a:effectRef>
-            <a:fontRef idx="minor">
-              <a:schemeClr val="lt1"/>
-            </a:fontRef>
-          </p:style>
-          <p:txBody>
-            <a:bodyPr rtlCol="0" anchor="t" anchorCtr="0"/>
-            <a:lstStyle/>
-            <a:p>
-              <a:pPr algn="ctr"/>
-              <a:r>
-                <a:rPr lang="en-US" sz="1000" b="1" u="sng" dirty="0" smtClean="0">
-                  <a:solidFill>
-                    <a:prstClr val="white"/>
-                  </a:solidFill>
-                </a:rPr>
-                <a:t>Conditions</a:t>
-              </a:r>
-            </a:p>
-            <a:p>
-              <a:pPr marL="119063" indent="-119063">
-                <a:buFont typeface="Arial" pitchFamily="34" charset="0"/>
-                <a:buChar char="•"/>
-              </a:pPr>
-              <a:r>
-                <a:rPr lang="en-US" sz="1000" dirty="0" smtClean="0"/>
-                <a:t>Anemia</a:t>
-              </a:r>
-              <a:endParaRPr lang="en-US" sz="1000" dirty="0" smtClean="0"/>
-            </a:p>
-            <a:p>
-              <a:pPr marL="119063" indent="-119063">
-                <a:buFont typeface="Arial" pitchFamily="34" charset="0"/>
-                <a:buChar char="•"/>
-              </a:pPr>
-              <a:r>
-                <a:rPr lang="en-US" sz="1000" dirty="0" err="1" smtClean="0"/>
-                <a:t>HeartFailure</a:t>
-              </a:r>
-              <a:endParaRPr lang="en-US" sz="1000" dirty="0" smtClean="0"/>
-            </a:p>
-            <a:p>
-              <a:pPr marL="119063" indent="-119063">
-                <a:buFont typeface="Arial" pitchFamily="34" charset="0"/>
-                <a:buChar char="•"/>
-              </a:pPr>
-              <a:r>
-                <a:rPr lang="en-US" sz="1000" dirty="0" err="1" smtClean="0"/>
-                <a:t>PericardialEffusion</a:t>
-              </a:r>
-              <a:endParaRPr lang="en-US" sz="1000" dirty="0" smtClean="0"/>
-            </a:p>
-          </p:txBody>
-        </p:sp>
-        <p:sp>
-          <p:nvSpPr>
-            <p:cNvPr id="12" name="Down Arrow 11"/>
-            <p:cNvSpPr/>
-            <p:nvPr/>
-          </p:nvSpPr>
-          <p:spPr>
-            <a:xfrm rot="16200000">
-              <a:off x="5617208" y="4000500"/>
-              <a:ext cx="457200" cy="457200"/>
-            </a:xfrm>
-            <a:prstGeom prst="downArrow">
-              <a:avLst/>
-            </a:prstGeom>
-          </p:spPr>
-          <p:style>
-            <a:lnRef idx="2">
-              <a:schemeClr val="dk1">
-                <a:shade val="50000"/>
-              </a:schemeClr>
-            </a:lnRef>
-            <a:fillRef idx="1">
-              <a:schemeClr val="dk1"/>
-            </a:fillRef>
-            <a:effectRef idx="0">
-              <a:schemeClr val="dk1"/>
-            </a:effectRef>
-            <a:fontRef idx="minor">
-              <a:schemeClr val="lt1"/>
-            </a:fontRef>
-          </p:style>
-          <p:txBody>
-            <a:bodyPr rtlCol="0" anchor="ctr"/>
-            <a:lstStyle/>
-            <a:p>
-              <a:pPr algn="ctr"/>
-              <a:endParaRPr lang="en-US">
+              </a:rPr>
+              <a:t>Process</a:t>
+            </a:r>
+          </a:p>
+          <a:p>
+            <a:pPr marL="119063" indent="-119063">
+              <a:buFont typeface="Arial" pitchFamily="34" charset="0"/>
+              <a:buChar char="•"/>
+            </a:pPr>
+            <a:r>
+              <a:rPr lang="en-US" sz="1050" dirty="0"/>
+              <a:t>Solve Circuit</a:t>
+            </a:r>
+          </a:p>
+          <a:p>
+            <a:pPr marL="119063" indent="-119063">
+              <a:buFont typeface="Arial" pitchFamily="34" charset="0"/>
+              <a:buChar char="•"/>
+            </a:pPr>
+            <a:r>
+              <a:rPr lang="en-US" sz="1050" dirty="0" err="1"/>
+              <a:t>Advective</a:t>
+            </a:r>
+            <a:r>
+              <a:rPr lang="en-US" sz="1050" dirty="0"/>
+              <a:t> Transport</a:t>
+            </a:r>
+          </a:p>
+          <a:p>
+            <a:pPr marL="119063" indent="-119063">
+              <a:buFont typeface="Arial" pitchFamily="34" charset="0"/>
+              <a:buChar char="•"/>
+            </a:pPr>
+            <a:r>
+              <a:rPr lang="en-US" sz="1050" dirty="0" err="1"/>
+              <a:t>CalculateVitalSigns</a:t>
+            </a:r>
+            <a:endParaRPr lang="en-US" sz="1050" dirty="0"/>
+          </a:p>
+        </p:txBody>
+      </p:sp>
+      <p:sp>
+        <p:nvSpPr>
+          <p:cNvPr id="8" name="Rounded Rectangle 7"/>
+          <p:cNvSpPr/>
+          <p:nvPr/>
+        </p:nvSpPr>
+        <p:spPr>
+          <a:xfrm>
+            <a:off x="6721889" y="3924299"/>
+            <a:ext cx="1828800" cy="457200"/>
+          </a:xfrm>
+          <a:prstGeom prst="roundRect">
+            <a:avLst/>
+          </a:prstGeom>
+        </p:spPr>
+        <p:style>
+          <a:lnRef idx="2">
+            <a:schemeClr val="accent1">
+              <a:shade val="50000"/>
+            </a:schemeClr>
+          </a:lnRef>
+          <a:fillRef idx="1">
+            <a:schemeClr val="accent1"/>
+          </a:fillRef>
+          <a:effectRef idx="0">
+            <a:schemeClr val="accent1"/>
+          </a:effectRef>
+          <a:fontRef idx="minor">
+            <a:schemeClr val="lt1"/>
+          </a:fontRef>
+        </p:style>
+        <p:txBody>
+          <a:bodyPr rtlCol="0" anchor="t" anchorCtr="0"/>
+          <a:lstStyle/>
+          <a:p>
+            <a:pPr algn="ctr"/>
+            <a:r>
+              <a:rPr lang="en-US" sz="1050" b="1" u="sng" dirty="0" err="1">
                 <a:solidFill>
                   <a:prstClr val="white"/>
                 </a:solidFill>
-              </a:endParaRPr>
-            </a:p>
-          </p:txBody>
-        </p:sp>
-        <p:sp>
-          <p:nvSpPr>
-            <p:cNvPr id="13" name="Down Arrow 12"/>
-            <p:cNvSpPr/>
-            <p:nvPr/>
-          </p:nvSpPr>
-          <p:spPr>
-            <a:xfrm>
-              <a:off x="1077923" y="2895600"/>
-              <a:ext cx="457200" cy="457200"/>
-            </a:xfrm>
-            <a:prstGeom prst="downArrow">
-              <a:avLst/>
-            </a:prstGeom>
-          </p:spPr>
-          <p:style>
-            <a:lnRef idx="2">
-              <a:schemeClr val="dk1">
-                <a:shade val="50000"/>
-              </a:schemeClr>
-            </a:lnRef>
-            <a:fillRef idx="1">
-              <a:schemeClr val="dk1"/>
-            </a:fillRef>
-            <a:effectRef idx="0">
-              <a:schemeClr val="dk1"/>
-            </a:effectRef>
-            <a:fontRef idx="minor">
-              <a:schemeClr val="lt1"/>
-            </a:fontRef>
-          </p:style>
-          <p:txBody>
-            <a:bodyPr rtlCol="0" anchor="ctr"/>
-            <a:lstStyle/>
-            <a:p>
-              <a:pPr algn="ctr"/>
-              <a:endParaRPr lang="en-US">
+              </a:rPr>
+              <a:t>PostProcess</a:t>
+            </a:r>
+            <a:endParaRPr lang="en-US" sz="1050" b="1" u="sng" dirty="0">
+              <a:solidFill>
+                <a:prstClr val="white"/>
+              </a:solidFill>
+            </a:endParaRPr>
+          </a:p>
+          <a:p>
+            <a:pPr marL="119063" indent="-119063">
+              <a:buFont typeface="Arial" pitchFamily="34" charset="0"/>
+              <a:buChar char="•"/>
+            </a:pPr>
+            <a:r>
+              <a:rPr lang="en-US" sz="1050" dirty="0"/>
+              <a:t>Advance Circuit</a:t>
+            </a:r>
+          </a:p>
+        </p:txBody>
+      </p:sp>
+      <p:sp>
+        <p:nvSpPr>
+          <p:cNvPr id="11" name="Rounded Rectangle 10"/>
+          <p:cNvSpPr/>
+          <p:nvPr/>
+        </p:nvSpPr>
+        <p:spPr>
+          <a:xfrm>
+            <a:off x="593310" y="1219200"/>
+            <a:ext cx="2514600" cy="971550"/>
+          </a:xfrm>
+          <a:prstGeom prst="roundRect">
+            <a:avLst/>
+          </a:prstGeom>
+        </p:spPr>
+        <p:style>
+          <a:lnRef idx="2">
+            <a:schemeClr val="accent1">
+              <a:shade val="50000"/>
+            </a:schemeClr>
+          </a:lnRef>
+          <a:fillRef idx="1">
+            <a:schemeClr val="accent1"/>
+          </a:fillRef>
+          <a:effectRef idx="0">
+            <a:schemeClr val="accent1"/>
+          </a:effectRef>
+          <a:fontRef idx="minor">
+            <a:schemeClr val="lt1"/>
+          </a:fontRef>
+        </p:style>
+        <p:txBody>
+          <a:bodyPr rtlCol="0" anchor="t" anchorCtr="0"/>
+          <a:lstStyle/>
+          <a:p>
+            <a:pPr algn="ctr"/>
+            <a:r>
+              <a:rPr lang="en-US" sz="1000" b="1" u="sng" dirty="0">
                 <a:solidFill>
                   <a:prstClr val="white"/>
                 </a:solidFill>
-              </a:endParaRPr>
-            </a:p>
-          </p:txBody>
-        </p:sp>
-        <p:sp>
-          <p:nvSpPr>
-            <p:cNvPr id="15" name="U-Turn Arrow 14"/>
-            <p:cNvSpPr/>
-            <p:nvPr/>
-          </p:nvSpPr>
-          <p:spPr>
-            <a:xfrm rot="10800000">
-              <a:off x="1170413" y="4648201"/>
-              <a:ext cx="6068587" cy="1143000"/>
-            </a:xfrm>
-            <a:prstGeom prst="uturnArrow">
-              <a:avLst>
-                <a:gd name="adj1" fmla="val 15680"/>
-                <a:gd name="adj2" fmla="val 19175"/>
-                <a:gd name="adj3" fmla="val 25777"/>
-                <a:gd name="adj4" fmla="val 43750"/>
-                <a:gd name="adj5" fmla="val 57136"/>
-              </a:avLst>
-            </a:prstGeom>
-          </p:spPr>
-          <p:style>
-            <a:lnRef idx="2">
-              <a:schemeClr val="dk1">
-                <a:shade val="50000"/>
-              </a:schemeClr>
-            </a:lnRef>
-            <a:fillRef idx="1">
-              <a:schemeClr val="dk1"/>
-            </a:fillRef>
-            <a:effectRef idx="0">
-              <a:schemeClr val="dk1"/>
-            </a:effectRef>
-            <a:fontRef idx="minor">
-              <a:schemeClr val="lt1"/>
-            </a:fontRef>
-          </p:style>
-          <p:txBody>
-            <a:bodyPr rtlCol="0" anchor="ctr"/>
-            <a:lstStyle/>
-            <a:p>
-              <a:pPr algn="ctr"/>
-              <a:endParaRPr lang="en-US">
-                <a:solidFill>
-                  <a:prstClr val="white"/>
-                </a:solidFill>
-              </a:endParaRPr>
-            </a:p>
-          </p:txBody>
-        </p:sp>
-      </p:grpSp>
+              </a:rPr>
+              <a:t>Conditions</a:t>
+            </a:r>
+          </a:p>
+          <a:p>
+            <a:pPr marL="119063" indent="-119063">
+              <a:buFont typeface="Arial" pitchFamily="34" charset="0"/>
+              <a:buChar char="•"/>
+            </a:pPr>
+            <a:r>
+              <a:rPr lang="en-US" sz="1000" dirty="0"/>
+              <a:t>Anemia</a:t>
+            </a:r>
+          </a:p>
+          <a:p>
+            <a:pPr marL="119063" indent="-119063">
+              <a:buFont typeface="Arial" pitchFamily="34" charset="0"/>
+              <a:buChar char="•"/>
+            </a:pPr>
+            <a:r>
+              <a:rPr lang="en-US" sz="1000" dirty="0" err="1"/>
+              <a:t>RenalStenosis</a:t>
+            </a:r>
+            <a:endParaRPr lang="en-US" sz="1000" dirty="0"/>
+          </a:p>
+          <a:p>
+            <a:pPr marL="119063" indent="-119063">
+              <a:buFont typeface="Arial" pitchFamily="34" charset="0"/>
+              <a:buChar char="•"/>
+            </a:pPr>
+            <a:r>
+              <a:rPr lang="en-US" sz="1000" dirty="0" err="1"/>
+              <a:t>VentricularSystolicDysfunction</a:t>
+            </a:r>
+            <a:endParaRPr lang="en-US" sz="1000" dirty="0"/>
+          </a:p>
+          <a:p>
+            <a:pPr marL="119063" indent="-119063">
+              <a:buFont typeface="Arial" pitchFamily="34" charset="0"/>
+              <a:buChar char="•"/>
+            </a:pPr>
+            <a:r>
+              <a:rPr lang="en-US" sz="1000" dirty="0" err="1"/>
+              <a:t>PericardialEffusion</a:t>
+            </a:r>
+            <a:endParaRPr lang="en-US" sz="1000" dirty="0"/>
+          </a:p>
+        </p:txBody>
+      </p:sp>
+      <p:sp>
+        <p:nvSpPr>
+          <p:cNvPr id="12" name="Down Arrow 11"/>
+          <p:cNvSpPr/>
+          <p:nvPr/>
+        </p:nvSpPr>
+        <p:spPr>
+          <a:xfrm rot="16200000">
+            <a:off x="6161295" y="3924300"/>
+            <a:ext cx="457200" cy="457200"/>
+          </a:xfrm>
+          <a:prstGeom prst="downArrow">
+            <a:avLst/>
+          </a:prstGeom>
+        </p:spPr>
+        <p:style>
+          <a:lnRef idx="2">
+            <a:schemeClr val="dk1">
+              <a:shade val="50000"/>
+            </a:schemeClr>
+          </a:lnRef>
+          <a:fillRef idx="1">
+            <a:schemeClr val="dk1"/>
+          </a:fillRef>
+          <a:effectRef idx="0">
+            <a:schemeClr val="dk1"/>
+          </a:effectRef>
+          <a:fontRef idx="minor">
+            <a:schemeClr val="lt1"/>
+          </a:fontRef>
+        </p:style>
+        <p:txBody>
+          <a:bodyPr rtlCol="0" anchor="ctr"/>
+          <a:lstStyle/>
+          <a:p>
+            <a:pPr algn="ctr"/>
+            <a:endParaRPr lang="en-US">
+              <a:solidFill>
+                <a:prstClr val="white"/>
+              </a:solidFill>
+            </a:endParaRPr>
+          </a:p>
+        </p:txBody>
+      </p:sp>
+      <p:sp>
+        <p:nvSpPr>
+          <p:cNvPr id="13" name="Down Arrow 12"/>
+          <p:cNvSpPr/>
+          <p:nvPr/>
+        </p:nvSpPr>
+        <p:spPr>
+          <a:xfrm>
+            <a:off x="1622010" y="2266950"/>
+            <a:ext cx="457200" cy="457200"/>
+          </a:xfrm>
+          <a:prstGeom prst="downArrow">
+            <a:avLst/>
+          </a:prstGeom>
+        </p:spPr>
+        <p:style>
+          <a:lnRef idx="2">
+            <a:schemeClr val="dk1">
+              <a:shade val="50000"/>
+            </a:schemeClr>
+          </a:lnRef>
+          <a:fillRef idx="1">
+            <a:schemeClr val="dk1"/>
+          </a:fillRef>
+          <a:effectRef idx="0">
+            <a:schemeClr val="dk1"/>
+          </a:effectRef>
+          <a:fontRef idx="minor">
+            <a:schemeClr val="lt1"/>
+          </a:fontRef>
+        </p:style>
+        <p:txBody>
+          <a:bodyPr rtlCol="0" anchor="ctr"/>
+          <a:lstStyle/>
+          <a:p>
+            <a:pPr algn="ctr"/>
+            <a:endParaRPr lang="en-US">
+              <a:solidFill>
+                <a:prstClr val="white"/>
+              </a:solidFill>
+            </a:endParaRPr>
+          </a:p>
+        </p:txBody>
+      </p:sp>
+      <p:sp>
+        <p:nvSpPr>
+          <p:cNvPr id="15" name="U-Turn Arrow 14"/>
+          <p:cNvSpPr/>
+          <p:nvPr/>
+        </p:nvSpPr>
+        <p:spPr>
+          <a:xfrm rot="10800000">
+            <a:off x="1714500" y="4572001"/>
+            <a:ext cx="6068587" cy="1143000"/>
+          </a:xfrm>
+          <a:prstGeom prst="uturnArrow">
+            <a:avLst>
+              <a:gd name="adj1" fmla="val 15680"/>
+              <a:gd name="adj2" fmla="val 19175"/>
+              <a:gd name="adj3" fmla="val 25777"/>
+              <a:gd name="adj4" fmla="val 43750"/>
+              <a:gd name="adj5" fmla="val 57136"/>
+            </a:avLst>
+          </a:prstGeom>
+        </p:spPr>
+        <p:style>
+          <a:lnRef idx="2">
+            <a:schemeClr val="dk1">
+              <a:shade val="50000"/>
+            </a:schemeClr>
+          </a:lnRef>
+          <a:fillRef idx="1">
+            <a:schemeClr val="dk1"/>
+          </a:fillRef>
+          <a:effectRef idx="0">
+            <a:schemeClr val="dk1"/>
+          </a:effectRef>
+          <a:fontRef idx="minor">
+            <a:schemeClr val="lt1"/>
+          </a:fontRef>
+        </p:style>
+        <p:txBody>
+          <a:bodyPr rtlCol="0" anchor="ctr"/>
+          <a:lstStyle/>
+          <a:p>
+            <a:pPr algn="ctr"/>
+            <a:endParaRPr lang="en-US">
+              <a:solidFill>
+                <a:prstClr val="white"/>
+              </a:solidFill>
+            </a:endParaRPr>
+          </a:p>
+        </p:txBody>
+      </p:sp>
     </p:spTree>
     <p:extLst>
       <p:ext uri="{BB962C8B-B14F-4D97-AF65-F5344CB8AC3E}">
@@ -3766,18 +3789,13 @@
             <a:lstStyle/>
             <a:p>
               <a:r>
-                <a:rPr lang="en-US" dirty="0" smtClean="0">
+                <a:rPr lang="en-US" dirty="0">
                   <a:solidFill>
                     <a:prstClr val="black"/>
                   </a:solidFill>
                 </a:rPr>
                 <a:t>P</a:t>
               </a:r>
-              <a:endParaRPr lang="en-US" dirty="0">
-                <a:solidFill>
-                  <a:prstClr val="black"/>
-                </a:solidFill>
-              </a:endParaRPr>
             </a:p>
           </p:txBody>
         </p:sp>
@@ -3804,18 +3822,13 @@
             <a:lstStyle/>
             <a:p>
               <a:r>
-                <a:rPr lang="en-US" dirty="0" smtClean="0">
+                <a:rPr lang="en-US" dirty="0">
                   <a:solidFill>
                     <a:prstClr val="black"/>
                   </a:solidFill>
                 </a:rPr>
                 <a:t>Q</a:t>
               </a:r>
-              <a:endParaRPr lang="en-US" dirty="0">
-                <a:solidFill>
-                  <a:prstClr val="black"/>
-                </a:solidFill>
-              </a:endParaRPr>
             </a:p>
           </p:txBody>
         </p:sp>
@@ -3842,18 +3855,13 @@
             <a:lstStyle/>
             <a:p>
               <a:r>
-                <a:rPr lang="en-US" dirty="0" smtClean="0">
+                <a:rPr lang="en-US" dirty="0">
                   <a:solidFill>
                     <a:prstClr val="black"/>
                   </a:solidFill>
                 </a:rPr>
                 <a:t>R</a:t>
               </a:r>
-              <a:endParaRPr lang="en-US" dirty="0">
-                <a:solidFill>
-                  <a:prstClr val="black"/>
-                </a:solidFill>
-              </a:endParaRPr>
             </a:p>
           </p:txBody>
         </p:sp>
@@ -3880,18 +3888,13 @@
             <a:lstStyle/>
             <a:p>
               <a:r>
-                <a:rPr lang="en-US" dirty="0" smtClean="0">
+                <a:rPr lang="en-US" dirty="0">
                   <a:solidFill>
                     <a:prstClr val="black"/>
                   </a:solidFill>
                 </a:rPr>
                 <a:t>S</a:t>
               </a:r>
-              <a:endParaRPr lang="en-US" dirty="0">
-                <a:solidFill>
-                  <a:prstClr val="black"/>
-                </a:solidFill>
-              </a:endParaRPr>
             </a:p>
           </p:txBody>
         </p:sp>
@@ -3918,18 +3921,13 @@
             <a:lstStyle/>
             <a:p>
               <a:r>
-                <a:rPr lang="en-US" dirty="0" smtClean="0">
+                <a:rPr lang="en-US" dirty="0">
                   <a:solidFill>
                     <a:prstClr val="black"/>
                   </a:solidFill>
                 </a:rPr>
                 <a:t>T</a:t>
               </a:r>
-              <a:endParaRPr lang="en-US" dirty="0">
-                <a:solidFill>
-                  <a:prstClr val="black"/>
-                </a:solidFill>
-              </a:endParaRPr>
             </a:p>
           </p:txBody>
         </p:sp>
@@ -3996,18 +3994,13 @@
             <a:lstStyle/>
             <a:p>
               <a:r>
-                <a:rPr lang="en-US" sz="1400" dirty="0" smtClean="0">
+                <a:rPr lang="en-US" sz="1400" dirty="0">
                   <a:solidFill>
                     <a:srgbClr val="C0504D"/>
                   </a:solidFill>
                 </a:rPr>
                 <a:t>R-R</a:t>
               </a:r>
-              <a:endParaRPr lang="en-US" sz="1400" dirty="0">
-                <a:solidFill>
-                  <a:srgbClr val="C0504D"/>
-                </a:solidFill>
-              </a:endParaRPr>
             </a:p>
           </p:txBody>
         </p:sp>
@@ -4072,18 +4065,13 @@
             <a:lstStyle/>
             <a:p>
               <a:r>
-                <a:rPr lang="en-US" sz="1400" dirty="0" smtClean="0">
+                <a:rPr lang="en-US" sz="1400" dirty="0">
                   <a:solidFill>
                     <a:srgbClr val="C0504D"/>
                   </a:solidFill>
                 </a:rPr>
                 <a:t>Q-T</a:t>
               </a:r>
-              <a:endParaRPr lang="en-US" sz="1400" dirty="0">
-                <a:solidFill>
-                  <a:srgbClr val="C0504D"/>
-                </a:solidFill>
-              </a:endParaRPr>
             </a:p>
           </p:txBody>
         </p:sp>
@@ -4148,18 +4136,13 @@
             <a:lstStyle/>
             <a:p>
               <a:r>
-                <a:rPr lang="en-US" sz="1400" dirty="0" smtClean="0">
+                <a:rPr lang="en-US" sz="1400" dirty="0">
                   <a:solidFill>
                     <a:srgbClr val="C0504D"/>
                   </a:solidFill>
                 </a:rPr>
                 <a:t>P-R</a:t>
               </a:r>
-              <a:endParaRPr lang="en-US" sz="1400" dirty="0">
-                <a:solidFill>
-                  <a:srgbClr val="C0504D"/>
-                </a:solidFill>
-              </a:endParaRPr>
             </a:p>
           </p:txBody>
         </p:sp>
@@ -4224,18 +4207,13 @@
             <a:lstStyle/>
             <a:p>
               <a:r>
-                <a:rPr lang="en-US" sz="1400" dirty="0" smtClean="0">
+                <a:rPr lang="en-US" sz="1400" dirty="0">
                   <a:solidFill>
                     <a:srgbClr val="C0504D"/>
                   </a:solidFill>
                 </a:rPr>
                 <a:t>Q-R-S</a:t>
               </a:r>
-              <a:endParaRPr lang="en-US" sz="1400" dirty="0">
-                <a:solidFill>
-                  <a:srgbClr val="C0504D"/>
-                </a:solidFill>
-              </a:endParaRPr>
             </a:p>
           </p:txBody>
         </p:sp>
@@ -4300,18 +4278,13 @@
             <a:lstStyle/>
             <a:p>
               <a:r>
-                <a:rPr lang="en-US" sz="1400" dirty="0" smtClean="0">
+                <a:rPr lang="en-US" sz="1400" dirty="0">
                   <a:solidFill>
                     <a:srgbClr val="C0504D"/>
                   </a:solidFill>
                 </a:rPr>
                 <a:t>S-T</a:t>
               </a:r>
-              <a:endParaRPr lang="en-US" sz="1400" dirty="0">
-                <a:solidFill>
-                  <a:srgbClr val="C0504D"/>
-                </a:solidFill>
-              </a:endParaRPr>
             </a:p>
           </p:txBody>
         </p:sp>

--- a/docs/Figures/CardiovascularWorking.pptx
+++ b/docs/Figures/CardiovascularWorking.pptx
@@ -5,9 +5,8 @@
     <p:sldMasterId id="2147483648" r:id="rId1"/>
   </p:sldMasterIdLst>
   <p:sldIdLst>
-    <p:sldId id="256" r:id="rId2"/>
-    <p:sldId id="257" r:id="rId3"/>
-    <p:sldId id="258" r:id="rId4"/>
+    <p:sldId id="257" r:id="rId2"/>
+    <p:sldId id="258" r:id="rId3"/>
   </p:sldIdLst>
   <p:sldSz cx="9144000" cy="6858000" type="screen4x3"/>
   <p:notesSz cx="6858000" cy="9144000"/>
@@ -304,7 +303,7 @@
           <a:p>
             <a:fld id="{264F197D-2F61-4404-B41C-CD8505E57083}" type="datetimeFigureOut">
               <a:rPr lang="en-US" smtClean="0"/>
-              <a:t>10/15/2019</a:t>
+              <a:t>1/7/2020</a:t>
             </a:fld>
             <a:endParaRPr lang="en-US"/>
           </a:p>
@@ -472,7 +471,7 @@
           <a:p>
             <a:fld id="{264F197D-2F61-4404-B41C-CD8505E57083}" type="datetimeFigureOut">
               <a:rPr lang="en-US" smtClean="0"/>
-              <a:t>10/15/2019</a:t>
+              <a:t>1/7/2020</a:t>
             </a:fld>
             <a:endParaRPr lang="en-US"/>
           </a:p>
@@ -650,7 +649,7 @@
           <a:p>
             <a:fld id="{264F197D-2F61-4404-B41C-CD8505E57083}" type="datetimeFigureOut">
               <a:rPr lang="en-US" smtClean="0"/>
-              <a:t>10/15/2019</a:t>
+              <a:t>1/7/2020</a:t>
             </a:fld>
             <a:endParaRPr lang="en-US"/>
           </a:p>
@@ -818,7 +817,7 @@
           <a:p>
             <a:fld id="{264F197D-2F61-4404-B41C-CD8505E57083}" type="datetimeFigureOut">
               <a:rPr lang="en-US" smtClean="0"/>
-              <a:t>10/15/2019</a:t>
+              <a:t>1/7/2020</a:t>
             </a:fld>
             <a:endParaRPr lang="en-US"/>
           </a:p>
@@ -1063,7 +1062,7 @@
           <a:p>
             <a:fld id="{264F197D-2F61-4404-B41C-CD8505E57083}" type="datetimeFigureOut">
               <a:rPr lang="en-US" smtClean="0"/>
-              <a:t>10/15/2019</a:t>
+              <a:t>1/7/2020</a:t>
             </a:fld>
             <a:endParaRPr lang="en-US"/>
           </a:p>
@@ -1348,7 +1347,7 @@
           <a:p>
             <a:fld id="{264F197D-2F61-4404-B41C-CD8505E57083}" type="datetimeFigureOut">
               <a:rPr lang="en-US" smtClean="0"/>
-              <a:t>10/15/2019</a:t>
+              <a:t>1/7/2020</a:t>
             </a:fld>
             <a:endParaRPr lang="en-US"/>
           </a:p>
@@ -1767,7 +1766,7 @@
           <a:p>
             <a:fld id="{264F197D-2F61-4404-B41C-CD8505E57083}" type="datetimeFigureOut">
               <a:rPr lang="en-US" smtClean="0"/>
-              <a:t>10/15/2019</a:t>
+              <a:t>1/7/2020</a:t>
             </a:fld>
             <a:endParaRPr lang="en-US"/>
           </a:p>
@@ -1884,7 +1883,7 @@
           <a:p>
             <a:fld id="{264F197D-2F61-4404-B41C-CD8505E57083}" type="datetimeFigureOut">
               <a:rPr lang="en-US" smtClean="0"/>
-              <a:t>10/15/2019</a:t>
+              <a:t>1/7/2020</a:t>
             </a:fld>
             <a:endParaRPr lang="en-US"/>
           </a:p>
@@ -1979,7 +1978,7 @@
           <a:p>
             <a:fld id="{264F197D-2F61-4404-B41C-CD8505E57083}" type="datetimeFigureOut">
               <a:rPr lang="en-US" smtClean="0"/>
-              <a:t>10/15/2019</a:t>
+              <a:t>1/7/2020</a:t>
             </a:fld>
             <a:endParaRPr lang="en-US"/>
           </a:p>
@@ -2254,7 +2253,7 @@
           <a:p>
             <a:fld id="{264F197D-2F61-4404-B41C-CD8505E57083}" type="datetimeFigureOut">
               <a:rPr lang="en-US" smtClean="0"/>
-              <a:t>10/15/2019</a:t>
+              <a:t>1/7/2020</a:t>
             </a:fld>
             <a:endParaRPr lang="en-US"/>
           </a:p>
@@ -2506,7 +2505,7 @@
           <a:p>
             <a:fld id="{264F197D-2F61-4404-B41C-CD8505E57083}" type="datetimeFigureOut">
               <a:rPr lang="en-US" smtClean="0"/>
-              <a:t>10/15/2019</a:t>
+              <a:t>1/7/2020</a:t>
             </a:fld>
             <a:endParaRPr lang="en-US"/>
           </a:p>
@@ -2717,7 +2716,7 @@
           <a:p>
             <a:fld id="{264F197D-2F61-4404-B41C-CD8505E57083}" type="datetimeFigureOut">
               <a:rPr lang="en-US" smtClean="0"/>
-              <a:t>10/15/2019</a:t>
+              <a:t>1/7/2020</a:t>
             </a:fld>
             <a:endParaRPr lang="en-US"/>
           </a:p>
@@ -3076,625 +3075,6 @@
 </file>
 
 <file path=ppt/slides/slide1.xml><?xml version="1.0" encoding="utf-8"?>
-<p:sld xmlns:a="http://schemas.openxmlformats.org/drawingml/2006/main" xmlns:r="http://schemas.openxmlformats.org/officeDocument/2006/relationships" xmlns:p="http://schemas.openxmlformats.org/presentationml/2006/main">
-  <p:cSld>
-    <p:spTree>
-      <p:nvGrpSpPr>
-        <p:cNvPr id="1" name=""/>
-        <p:cNvGrpSpPr/>
-        <p:nvPr/>
-      </p:nvGrpSpPr>
-      <p:grpSpPr>
-        <a:xfrm>
-          <a:off x="0" y="0"/>
-          <a:ext cx="0" cy="0"/>
-          <a:chOff x="0" y="0"/>
-          <a:chExt cx="0" cy="0"/>
-        </a:xfrm>
-      </p:grpSpPr>
-      <p:sp>
-        <p:nvSpPr>
-          <p:cNvPr id="5" name="Down Arrow 4"/>
-          <p:cNvSpPr/>
-          <p:nvPr/>
-        </p:nvSpPr>
-        <p:spPr>
-          <a:xfrm rot="16200000">
-            <a:off x="3211305" y="3924300"/>
-            <a:ext cx="457200" cy="457200"/>
-          </a:xfrm>
-          <a:prstGeom prst="downArrow">
-            <a:avLst/>
-          </a:prstGeom>
-        </p:spPr>
-        <p:style>
-          <a:lnRef idx="2">
-            <a:schemeClr val="dk1">
-              <a:shade val="50000"/>
-            </a:schemeClr>
-          </a:lnRef>
-          <a:fillRef idx="1">
-            <a:schemeClr val="dk1"/>
-          </a:fillRef>
-          <a:effectRef idx="0">
-            <a:schemeClr val="dk1"/>
-          </a:effectRef>
-          <a:fontRef idx="minor">
-            <a:schemeClr val="lt1"/>
-          </a:fontRef>
-        </p:style>
-        <p:txBody>
-          <a:bodyPr rtlCol="0" anchor="ctr"/>
-          <a:lstStyle/>
-          <a:p>
-            <a:pPr algn="ctr"/>
-            <a:endParaRPr lang="en-US">
-              <a:solidFill>
-                <a:prstClr val="white"/>
-              </a:solidFill>
-            </a:endParaRPr>
-          </a:p>
-        </p:txBody>
-      </p:sp>
-      <p:sp>
-        <p:nvSpPr>
-          <p:cNvPr id="6" name="Rounded Rectangle 5"/>
-          <p:cNvSpPr/>
-          <p:nvPr/>
-        </p:nvSpPr>
-        <p:spPr>
-          <a:xfrm>
-            <a:off x="593310" y="2819400"/>
-            <a:ext cx="2514600" cy="2133600"/>
-          </a:xfrm>
-          <a:prstGeom prst="roundRect">
-            <a:avLst/>
-          </a:prstGeom>
-        </p:spPr>
-        <p:style>
-          <a:lnRef idx="2">
-            <a:schemeClr val="accent1">
-              <a:shade val="50000"/>
-            </a:schemeClr>
-          </a:lnRef>
-          <a:fillRef idx="1">
-            <a:schemeClr val="accent1"/>
-          </a:fillRef>
-          <a:effectRef idx="0">
-            <a:schemeClr val="accent1"/>
-          </a:effectRef>
-          <a:fontRef idx="minor">
-            <a:schemeClr val="lt1"/>
-          </a:fontRef>
-        </p:style>
-        <p:txBody>
-          <a:bodyPr rtlCol="0" anchor="t" anchorCtr="0"/>
-          <a:lstStyle/>
-          <a:p>
-            <a:pPr algn="ctr"/>
-            <a:r>
-              <a:rPr lang="en-US" sz="1000" b="1" u="sng" dirty="0">
-                <a:solidFill>
-                  <a:prstClr val="white"/>
-                </a:solidFill>
-              </a:rPr>
-              <a:t>Preprocess</a:t>
-            </a:r>
-          </a:p>
-          <a:p>
-            <a:pPr marL="119063" indent="-119063">
-              <a:buFont typeface="Arial" pitchFamily="34" charset="0"/>
-              <a:buChar char="•"/>
-            </a:pPr>
-            <a:r>
-              <a:rPr lang="en-US" sz="1000" dirty="0" err="1"/>
-              <a:t>HeartDriver</a:t>
-            </a:r>
-            <a:endParaRPr lang="en-US" sz="1000" dirty="0"/>
-          </a:p>
-          <a:p>
-            <a:pPr marL="576263" lvl="1" indent="-119063">
-              <a:buFont typeface="Arial" pitchFamily="34" charset="0"/>
-              <a:buChar char="•"/>
-            </a:pPr>
-            <a:r>
-              <a:rPr lang="en-US" sz="1000" dirty="0" err="1"/>
-              <a:t>BeginCardiacCycle</a:t>
-            </a:r>
-            <a:endParaRPr lang="en-US" sz="1000" dirty="0"/>
-          </a:p>
-          <a:p>
-            <a:pPr marL="576263" lvl="1" indent="-119063">
-              <a:buFont typeface="Arial" pitchFamily="34" charset="0"/>
-              <a:buChar char="•"/>
-            </a:pPr>
-            <a:r>
-              <a:rPr lang="en-US" sz="1000" dirty="0" err="1"/>
-              <a:t>CalculateHeartElastance</a:t>
-            </a:r>
-            <a:endParaRPr lang="en-US" sz="1000" dirty="0"/>
-          </a:p>
-          <a:p>
-            <a:pPr marL="119063" indent="-119063">
-              <a:buFont typeface="Arial" pitchFamily="34" charset="0"/>
-              <a:buChar char="•"/>
-            </a:pPr>
-            <a:r>
-              <a:rPr lang="en-US" sz="1000" dirty="0" err="1"/>
-              <a:t>ProcessActions</a:t>
-            </a:r>
-            <a:endParaRPr lang="en-US" sz="1000" dirty="0"/>
-          </a:p>
-          <a:p>
-            <a:pPr marL="576263" lvl="1" indent="-119063">
-              <a:buFont typeface="Arial" pitchFamily="34" charset="0"/>
-              <a:buChar char="•"/>
-            </a:pPr>
-            <a:r>
-              <a:rPr lang="en-US" sz="1000" dirty="0" err="1"/>
-              <a:t>TraumaticBrainInjury</a:t>
-            </a:r>
-            <a:endParaRPr lang="en-US" sz="1000" dirty="0"/>
-          </a:p>
-          <a:p>
-            <a:pPr marL="576263" lvl="1" indent="-119063">
-              <a:buFont typeface="Arial" pitchFamily="34" charset="0"/>
-              <a:buChar char="•"/>
-            </a:pPr>
-            <a:r>
-              <a:rPr lang="en-US" sz="1000" dirty="0"/>
-              <a:t>Hemorrhage</a:t>
-            </a:r>
-          </a:p>
-          <a:p>
-            <a:pPr marL="576263" lvl="1" indent="-119063">
-              <a:buFont typeface="Arial" pitchFamily="34" charset="0"/>
-              <a:buChar char="•"/>
-            </a:pPr>
-            <a:r>
-              <a:rPr lang="en-US" sz="1000" dirty="0" err="1"/>
-              <a:t>PericardialEffusion</a:t>
-            </a:r>
-            <a:endParaRPr lang="en-US" sz="1000" dirty="0"/>
-          </a:p>
-          <a:p>
-            <a:pPr marL="576263" lvl="1" indent="-119063">
-              <a:buFont typeface="Arial" pitchFamily="34" charset="0"/>
-              <a:buChar char="•"/>
-            </a:pPr>
-            <a:r>
-              <a:rPr lang="en-US" sz="1000" dirty="0"/>
-              <a:t>CPR</a:t>
-            </a:r>
-          </a:p>
-          <a:p>
-            <a:pPr marL="576263" lvl="1" indent="-119063">
-              <a:buFont typeface="Arial" pitchFamily="34" charset="0"/>
-              <a:buChar char="•"/>
-            </a:pPr>
-            <a:r>
-              <a:rPr lang="en-US" sz="1000" dirty="0" err="1"/>
-              <a:t>CardiacArrest</a:t>
-            </a:r>
-            <a:endParaRPr lang="en-US" sz="1000" dirty="0"/>
-          </a:p>
-          <a:p>
-            <a:pPr marL="119063" indent="-119063">
-              <a:buFont typeface="Arial" pitchFamily="34" charset="0"/>
-              <a:buChar char="•"/>
-            </a:pPr>
-            <a:r>
-              <a:rPr lang="en-US" sz="1000" dirty="0" err="1"/>
-              <a:t>UpdateHeartRhythm</a:t>
-            </a:r>
-            <a:endParaRPr lang="en-US" sz="1000" dirty="0"/>
-          </a:p>
-          <a:p>
-            <a:pPr marL="119063" indent="-119063">
-              <a:buFont typeface="Arial" pitchFamily="34" charset="0"/>
-              <a:buChar char="•"/>
-            </a:pPr>
-            <a:r>
-              <a:rPr lang="en-US" sz="1000" dirty="0" err="1"/>
-              <a:t>CalculatePleuralCavityVenousEffects</a:t>
-            </a:r>
-            <a:endParaRPr lang="en-US" sz="1000" dirty="0"/>
-          </a:p>
-          <a:p>
-            <a:pPr marL="576263" lvl="1" indent="-119063">
-              <a:buFont typeface="Arial" pitchFamily="34" charset="0"/>
-              <a:buChar char="•"/>
-            </a:pPr>
-            <a:endParaRPr lang="en-US" sz="1000" dirty="0"/>
-          </a:p>
-        </p:txBody>
-      </p:sp>
-      <p:sp>
-        <p:nvSpPr>
-          <p:cNvPr id="7" name="Rounded Rectangle 6"/>
-          <p:cNvSpPr/>
-          <p:nvPr/>
-        </p:nvSpPr>
-        <p:spPr>
-          <a:xfrm>
-            <a:off x="3771900" y="3729583"/>
-            <a:ext cx="2286000" cy="914400"/>
-          </a:xfrm>
-          <a:prstGeom prst="roundRect">
-            <a:avLst/>
-          </a:prstGeom>
-        </p:spPr>
-        <p:style>
-          <a:lnRef idx="2">
-            <a:schemeClr val="accent1">
-              <a:shade val="50000"/>
-            </a:schemeClr>
-          </a:lnRef>
-          <a:fillRef idx="1">
-            <a:schemeClr val="accent1"/>
-          </a:fillRef>
-          <a:effectRef idx="0">
-            <a:schemeClr val="accent1"/>
-          </a:effectRef>
-          <a:fontRef idx="minor">
-            <a:schemeClr val="lt1"/>
-          </a:fontRef>
-        </p:style>
-        <p:txBody>
-          <a:bodyPr rtlCol="0" anchor="t" anchorCtr="0"/>
-          <a:lstStyle/>
-          <a:p>
-            <a:pPr algn="ctr"/>
-            <a:r>
-              <a:rPr lang="en-US" sz="1050" b="1" u="sng" dirty="0">
-                <a:solidFill>
-                  <a:prstClr val="white"/>
-                </a:solidFill>
-              </a:rPr>
-              <a:t>Process</a:t>
-            </a:r>
-          </a:p>
-          <a:p>
-            <a:pPr marL="119063" indent="-119063">
-              <a:buFont typeface="Arial" pitchFamily="34" charset="0"/>
-              <a:buChar char="•"/>
-            </a:pPr>
-            <a:r>
-              <a:rPr lang="en-US" sz="1050" dirty="0"/>
-              <a:t>Solve Circuit</a:t>
-            </a:r>
-          </a:p>
-          <a:p>
-            <a:pPr marL="119063" indent="-119063">
-              <a:buFont typeface="Arial" pitchFamily="34" charset="0"/>
-              <a:buChar char="•"/>
-            </a:pPr>
-            <a:r>
-              <a:rPr lang="en-US" sz="1050" dirty="0" err="1"/>
-              <a:t>Advective</a:t>
-            </a:r>
-            <a:r>
-              <a:rPr lang="en-US" sz="1050" dirty="0"/>
-              <a:t> Transport</a:t>
-            </a:r>
-          </a:p>
-          <a:p>
-            <a:pPr marL="119063" indent="-119063">
-              <a:buFont typeface="Arial" pitchFamily="34" charset="0"/>
-              <a:buChar char="•"/>
-            </a:pPr>
-            <a:r>
-              <a:rPr lang="en-US" sz="1050" dirty="0" err="1"/>
-              <a:t>CalculateVitalSigns</a:t>
-            </a:r>
-            <a:endParaRPr lang="en-US" sz="1050" dirty="0"/>
-          </a:p>
-        </p:txBody>
-      </p:sp>
-      <p:sp>
-        <p:nvSpPr>
-          <p:cNvPr id="8" name="Rounded Rectangle 7"/>
-          <p:cNvSpPr/>
-          <p:nvPr/>
-        </p:nvSpPr>
-        <p:spPr>
-          <a:xfrm>
-            <a:off x="6721889" y="3924299"/>
-            <a:ext cx="1828800" cy="457200"/>
-          </a:xfrm>
-          <a:prstGeom prst="roundRect">
-            <a:avLst/>
-          </a:prstGeom>
-        </p:spPr>
-        <p:style>
-          <a:lnRef idx="2">
-            <a:schemeClr val="accent1">
-              <a:shade val="50000"/>
-            </a:schemeClr>
-          </a:lnRef>
-          <a:fillRef idx="1">
-            <a:schemeClr val="accent1"/>
-          </a:fillRef>
-          <a:effectRef idx="0">
-            <a:schemeClr val="accent1"/>
-          </a:effectRef>
-          <a:fontRef idx="minor">
-            <a:schemeClr val="lt1"/>
-          </a:fontRef>
-        </p:style>
-        <p:txBody>
-          <a:bodyPr rtlCol="0" anchor="t" anchorCtr="0"/>
-          <a:lstStyle/>
-          <a:p>
-            <a:pPr algn="ctr"/>
-            <a:r>
-              <a:rPr lang="en-US" sz="1050" b="1" u="sng" dirty="0" err="1">
-                <a:solidFill>
-                  <a:prstClr val="white"/>
-                </a:solidFill>
-              </a:rPr>
-              <a:t>PostProcess</a:t>
-            </a:r>
-            <a:endParaRPr lang="en-US" sz="1050" b="1" u="sng" dirty="0">
-              <a:solidFill>
-                <a:prstClr val="white"/>
-              </a:solidFill>
-            </a:endParaRPr>
-          </a:p>
-          <a:p>
-            <a:pPr marL="119063" indent="-119063">
-              <a:buFont typeface="Arial" pitchFamily="34" charset="0"/>
-              <a:buChar char="•"/>
-            </a:pPr>
-            <a:r>
-              <a:rPr lang="en-US" sz="1050" dirty="0"/>
-              <a:t>Advance Circuit</a:t>
-            </a:r>
-          </a:p>
-        </p:txBody>
-      </p:sp>
-      <p:sp>
-        <p:nvSpPr>
-          <p:cNvPr id="11" name="Rounded Rectangle 10"/>
-          <p:cNvSpPr/>
-          <p:nvPr/>
-        </p:nvSpPr>
-        <p:spPr>
-          <a:xfrm>
-            <a:off x="593310" y="1219200"/>
-            <a:ext cx="2514600" cy="971550"/>
-          </a:xfrm>
-          <a:prstGeom prst="roundRect">
-            <a:avLst/>
-          </a:prstGeom>
-        </p:spPr>
-        <p:style>
-          <a:lnRef idx="2">
-            <a:schemeClr val="accent1">
-              <a:shade val="50000"/>
-            </a:schemeClr>
-          </a:lnRef>
-          <a:fillRef idx="1">
-            <a:schemeClr val="accent1"/>
-          </a:fillRef>
-          <a:effectRef idx="0">
-            <a:schemeClr val="accent1"/>
-          </a:effectRef>
-          <a:fontRef idx="minor">
-            <a:schemeClr val="lt1"/>
-          </a:fontRef>
-        </p:style>
-        <p:txBody>
-          <a:bodyPr rtlCol="0" anchor="t" anchorCtr="0"/>
-          <a:lstStyle/>
-          <a:p>
-            <a:pPr algn="ctr"/>
-            <a:r>
-              <a:rPr lang="en-US" sz="1000" b="1" u="sng" dirty="0">
-                <a:solidFill>
-                  <a:prstClr val="white"/>
-                </a:solidFill>
-              </a:rPr>
-              <a:t>Conditions</a:t>
-            </a:r>
-          </a:p>
-          <a:p>
-            <a:pPr marL="119063" indent="-119063">
-              <a:buFont typeface="Arial" pitchFamily="34" charset="0"/>
-              <a:buChar char="•"/>
-            </a:pPr>
-            <a:r>
-              <a:rPr lang="en-US" sz="1000" dirty="0"/>
-              <a:t>Anemia</a:t>
-            </a:r>
-          </a:p>
-          <a:p>
-            <a:pPr marL="119063" indent="-119063">
-              <a:buFont typeface="Arial" pitchFamily="34" charset="0"/>
-              <a:buChar char="•"/>
-            </a:pPr>
-            <a:r>
-              <a:rPr lang="en-US" sz="1000" dirty="0" err="1"/>
-              <a:t>RenalStenosis</a:t>
-            </a:r>
-            <a:endParaRPr lang="en-US" sz="1000" dirty="0"/>
-          </a:p>
-          <a:p>
-            <a:pPr marL="119063" indent="-119063">
-              <a:buFont typeface="Arial" pitchFamily="34" charset="0"/>
-              <a:buChar char="•"/>
-            </a:pPr>
-            <a:r>
-              <a:rPr lang="en-US" sz="1000" dirty="0" err="1"/>
-              <a:t>VentricularSystolicDysfunction</a:t>
-            </a:r>
-            <a:endParaRPr lang="en-US" sz="1000" dirty="0"/>
-          </a:p>
-          <a:p>
-            <a:pPr marL="119063" indent="-119063">
-              <a:buFont typeface="Arial" pitchFamily="34" charset="0"/>
-              <a:buChar char="•"/>
-            </a:pPr>
-            <a:r>
-              <a:rPr lang="en-US" sz="1000" dirty="0" err="1"/>
-              <a:t>PericardialEffusion</a:t>
-            </a:r>
-            <a:endParaRPr lang="en-US" sz="1000" dirty="0"/>
-          </a:p>
-        </p:txBody>
-      </p:sp>
-      <p:sp>
-        <p:nvSpPr>
-          <p:cNvPr id="12" name="Down Arrow 11"/>
-          <p:cNvSpPr/>
-          <p:nvPr/>
-        </p:nvSpPr>
-        <p:spPr>
-          <a:xfrm rot="16200000">
-            <a:off x="6161295" y="3924300"/>
-            <a:ext cx="457200" cy="457200"/>
-          </a:xfrm>
-          <a:prstGeom prst="downArrow">
-            <a:avLst/>
-          </a:prstGeom>
-        </p:spPr>
-        <p:style>
-          <a:lnRef idx="2">
-            <a:schemeClr val="dk1">
-              <a:shade val="50000"/>
-            </a:schemeClr>
-          </a:lnRef>
-          <a:fillRef idx="1">
-            <a:schemeClr val="dk1"/>
-          </a:fillRef>
-          <a:effectRef idx="0">
-            <a:schemeClr val="dk1"/>
-          </a:effectRef>
-          <a:fontRef idx="minor">
-            <a:schemeClr val="lt1"/>
-          </a:fontRef>
-        </p:style>
-        <p:txBody>
-          <a:bodyPr rtlCol="0" anchor="ctr"/>
-          <a:lstStyle/>
-          <a:p>
-            <a:pPr algn="ctr"/>
-            <a:endParaRPr lang="en-US">
-              <a:solidFill>
-                <a:prstClr val="white"/>
-              </a:solidFill>
-            </a:endParaRPr>
-          </a:p>
-        </p:txBody>
-      </p:sp>
-      <p:sp>
-        <p:nvSpPr>
-          <p:cNvPr id="13" name="Down Arrow 12"/>
-          <p:cNvSpPr/>
-          <p:nvPr/>
-        </p:nvSpPr>
-        <p:spPr>
-          <a:xfrm>
-            <a:off x="1622010" y="2266950"/>
-            <a:ext cx="457200" cy="457200"/>
-          </a:xfrm>
-          <a:prstGeom prst="downArrow">
-            <a:avLst/>
-          </a:prstGeom>
-        </p:spPr>
-        <p:style>
-          <a:lnRef idx="2">
-            <a:schemeClr val="dk1">
-              <a:shade val="50000"/>
-            </a:schemeClr>
-          </a:lnRef>
-          <a:fillRef idx="1">
-            <a:schemeClr val="dk1"/>
-          </a:fillRef>
-          <a:effectRef idx="0">
-            <a:schemeClr val="dk1"/>
-          </a:effectRef>
-          <a:fontRef idx="minor">
-            <a:schemeClr val="lt1"/>
-          </a:fontRef>
-        </p:style>
-        <p:txBody>
-          <a:bodyPr rtlCol="0" anchor="ctr"/>
-          <a:lstStyle/>
-          <a:p>
-            <a:pPr algn="ctr"/>
-            <a:endParaRPr lang="en-US">
-              <a:solidFill>
-                <a:prstClr val="white"/>
-              </a:solidFill>
-            </a:endParaRPr>
-          </a:p>
-        </p:txBody>
-      </p:sp>
-      <p:sp>
-        <p:nvSpPr>
-          <p:cNvPr id="15" name="U-Turn Arrow 14"/>
-          <p:cNvSpPr/>
-          <p:nvPr/>
-        </p:nvSpPr>
-        <p:spPr>
-          <a:xfrm rot="10800000">
-            <a:off x="1714500" y="4572001"/>
-            <a:ext cx="6068587" cy="1143000"/>
-          </a:xfrm>
-          <a:prstGeom prst="uturnArrow">
-            <a:avLst>
-              <a:gd name="adj1" fmla="val 15680"/>
-              <a:gd name="adj2" fmla="val 19175"/>
-              <a:gd name="adj3" fmla="val 25777"/>
-              <a:gd name="adj4" fmla="val 43750"/>
-              <a:gd name="adj5" fmla="val 57136"/>
-            </a:avLst>
-          </a:prstGeom>
-        </p:spPr>
-        <p:style>
-          <a:lnRef idx="2">
-            <a:schemeClr val="dk1">
-              <a:shade val="50000"/>
-            </a:schemeClr>
-          </a:lnRef>
-          <a:fillRef idx="1">
-            <a:schemeClr val="dk1"/>
-          </a:fillRef>
-          <a:effectRef idx="0">
-            <a:schemeClr val="dk1"/>
-          </a:effectRef>
-          <a:fontRef idx="minor">
-            <a:schemeClr val="lt1"/>
-          </a:fontRef>
-        </p:style>
-        <p:txBody>
-          <a:bodyPr rtlCol="0" anchor="ctr"/>
-          <a:lstStyle/>
-          <a:p>
-            <a:pPr algn="ctr"/>
-            <a:endParaRPr lang="en-US">
-              <a:solidFill>
-                <a:prstClr val="white"/>
-              </a:solidFill>
-            </a:endParaRPr>
-          </a:p>
-        </p:txBody>
-      </p:sp>
-    </p:spTree>
-    <p:extLst>
-      <p:ext uri="{BB962C8B-B14F-4D97-AF65-F5344CB8AC3E}">
-        <p14:creationId xmlns:p14="http://schemas.microsoft.com/office/powerpoint/2010/main" val="4092856888"/>
-      </p:ext>
-    </p:extLst>
-  </p:cSld>
-  <p:clrMapOvr>
-    <a:masterClrMapping/>
-  </p:clrMapOvr>
-</p:sld>
-</file>
-
-<file path=ppt/slides/slide2.xml><?xml version="1.0" encoding="utf-8"?>
 <p:sld xmlns:a="http://schemas.openxmlformats.org/drawingml/2006/main" xmlns:r="http://schemas.openxmlformats.org/officeDocument/2006/relationships" xmlns:p="http://schemas.openxmlformats.org/presentationml/2006/main">
   <p:cSld>
     <p:spTree>
@@ -4302,7 +3682,7 @@
 </p:sld>
 </file>
 
-<file path=ppt/slides/slide3.xml><?xml version="1.0" encoding="utf-8"?>
+<file path=ppt/slides/slide2.xml><?xml version="1.0" encoding="utf-8"?>
 <p:sld xmlns:a="http://schemas.openxmlformats.org/drawingml/2006/main" xmlns:r="http://schemas.openxmlformats.org/officeDocument/2006/relationships" xmlns:p="http://schemas.openxmlformats.org/presentationml/2006/main">
   <p:cSld>
     <p:spTree>

--- a/docs/Figures/CardiovascularWorking.pptx
+++ b/docs/Figures/CardiovascularWorking.pptx
@@ -303,7 +303,7 @@
           <a:p>
             <a:fld id="{264F197D-2F61-4404-B41C-CD8505E57083}" type="datetimeFigureOut">
               <a:rPr lang="en-US" smtClean="0"/>
-              <a:t>1/7/2020</a:t>
+              <a:t>2/10/2023</a:t>
             </a:fld>
             <a:endParaRPr lang="en-US"/>
           </a:p>
@@ -471,7 +471,7 @@
           <a:p>
             <a:fld id="{264F197D-2F61-4404-B41C-CD8505E57083}" type="datetimeFigureOut">
               <a:rPr lang="en-US" smtClean="0"/>
-              <a:t>1/7/2020</a:t>
+              <a:t>2/10/2023</a:t>
             </a:fld>
             <a:endParaRPr lang="en-US"/>
           </a:p>
@@ -649,7 +649,7 @@
           <a:p>
             <a:fld id="{264F197D-2F61-4404-B41C-CD8505E57083}" type="datetimeFigureOut">
               <a:rPr lang="en-US" smtClean="0"/>
-              <a:t>1/7/2020</a:t>
+              <a:t>2/10/2023</a:t>
             </a:fld>
             <a:endParaRPr lang="en-US"/>
           </a:p>
@@ -817,7 +817,7 @@
           <a:p>
             <a:fld id="{264F197D-2F61-4404-B41C-CD8505E57083}" type="datetimeFigureOut">
               <a:rPr lang="en-US" smtClean="0"/>
-              <a:t>1/7/2020</a:t>
+              <a:t>2/10/2023</a:t>
             </a:fld>
             <a:endParaRPr lang="en-US"/>
           </a:p>
@@ -1062,7 +1062,7 @@
           <a:p>
             <a:fld id="{264F197D-2F61-4404-B41C-CD8505E57083}" type="datetimeFigureOut">
               <a:rPr lang="en-US" smtClean="0"/>
-              <a:t>1/7/2020</a:t>
+              <a:t>2/10/2023</a:t>
             </a:fld>
             <a:endParaRPr lang="en-US"/>
           </a:p>
@@ -1347,7 +1347,7 @@
           <a:p>
             <a:fld id="{264F197D-2F61-4404-B41C-CD8505E57083}" type="datetimeFigureOut">
               <a:rPr lang="en-US" smtClean="0"/>
-              <a:t>1/7/2020</a:t>
+              <a:t>2/10/2023</a:t>
             </a:fld>
             <a:endParaRPr lang="en-US"/>
           </a:p>
@@ -1766,7 +1766,7 @@
           <a:p>
             <a:fld id="{264F197D-2F61-4404-B41C-CD8505E57083}" type="datetimeFigureOut">
               <a:rPr lang="en-US" smtClean="0"/>
-              <a:t>1/7/2020</a:t>
+              <a:t>2/10/2023</a:t>
             </a:fld>
             <a:endParaRPr lang="en-US"/>
           </a:p>
@@ -1883,7 +1883,7 @@
           <a:p>
             <a:fld id="{264F197D-2F61-4404-B41C-CD8505E57083}" type="datetimeFigureOut">
               <a:rPr lang="en-US" smtClean="0"/>
-              <a:t>1/7/2020</a:t>
+              <a:t>2/10/2023</a:t>
             </a:fld>
             <a:endParaRPr lang="en-US"/>
           </a:p>
@@ -1978,7 +1978,7 @@
           <a:p>
             <a:fld id="{264F197D-2F61-4404-B41C-CD8505E57083}" type="datetimeFigureOut">
               <a:rPr lang="en-US" smtClean="0"/>
-              <a:t>1/7/2020</a:t>
+              <a:t>2/10/2023</a:t>
             </a:fld>
             <a:endParaRPr lang="en-US"/>
           </a:p>
@@ -2253,7 +2253,7 @@
           <a:p>
             <a:fld id="{264F197D-2F61-4404-B41C-CD8505E57083}" type="datetimeFigureOut">
               <a:rPr lang="en-US" smtClean="0"/>
-              <a:t>1/7/2020</a:t>
+              <a:t>2/10/2023</a:t>
             </a:fld>
             <a:endParaRPr lang="en-US"/>
           </a:p>
@@ -2505,7 +2505,7 @@
           <a:p>
             <a:fld id="{264F197D-2F61-4404-B41C-CD8505E57083}" type="datetimeFigureOut">
               <a:rPr lang="en-US" smtClean="0"/>
-              <a:t>1/7/2020</a:t>
+              <a:t>2/10/2023</a:t>
             </a:fld>
             <a:endParaRPr lang="en-US"/>
           </a:p>
@@ -2716,7 +2716,7 @@
           <a:p>
             <a:fld id="{264F197D-2F61-4404-B41C-CD8505E57083}" type="datetimeFigureOut">
               <a:rPr lang="en-US" smtClean="0"/>
-              <a:t>1/7/2020</a:t>
+              <a:t>2/10/2023</a:t>
             </a:fld>
             <a:endParaRPr lang="en-US"/>
           </a:p>
@@ -3701,27 +3701,28 @@
       </p:grpSpPr>
       <p:pic>
         <p:nvPicPr>
-          <p:cNvPr id="2" name="Picture 1"/>
+          <p:cNvPr id="3" name="Picture 2">
+            <a:extLst>
+              <a:ext uri="{FF2B5EF4-FFF2-40B4-BE49-F238E27FC236}">
+                <a16:creationId xmlns:a16="http://schemas.microsoft.com/office/drawing/2014/main" id="{B1C5050E-4998-2571-8741-4A1FDC286BF1}"/>
+              </a:ext>
+            </a:extLst>
+          </p:cNvPr>
           <p:cNvPicPr>
             <a:picLocks noChangeAspect="1"/>
           </p:cNvPicPr>
           <p:nvPr/>
         </p:nvPicPr>
-        <p:blipFill rotWithShape="1">
-          <a:blip r:embed="rId2" cstate="print">
-            <a:extLst>
-              <a:ext uri="{28A0092B-C50C-407E-A947-70E740481C1C}">
-                <a14:useLocalDpi xmlns:a14="http://schemas.microsoft.com/office/drawing/2010/main" val="0"/>
-              </a:ext>
-            </a:extLst>
-          </a:blip>
-          <a:srcRect l="2512" t="1347" r="4602" b="6531"/>
-          <a:stretch/>
+        <p:blipFill>
+          <a:blip r:embed="rId2"/>
+          <a:stretch>
+            <a:fillRect/>
+          </a:stretch>
         </p:blipFill>
         <p:spPr>
           <a:xfrm>
-            <a:off x="2262909" y="92364"/>
-            <a:ext cx="4516582" cy="6317672"/>
+            <a:off x="2126005" y="0"/>
+            <a:ext cx="4891989" cy="6858000"/>
           </a:xfrm>
           <a:prstGeom prst="rect">
             <a:avLst/>
